--- a/Доповідь 2.pptx
+++ b/Доповідь 2.pptx
@@ -7,7 +7,16 @@
   <p:sldIdLst>
     <p:sldId id="256" r:id="rId2"/>
     <p:sldId id="257" r:id="rId3"/>
-    <p:sldId id="258" r:id="rId4"/>
+    <p:sldId id="259" r:id="rId4"/>
+    <p:sldId id="267" r:id="rId5"/>
+    <p:sldId id="260" r:id="rId6"/>
+    <p:sldId id="261" r:id="rId7"/>
+    <p:sldId id="262" r:id="rId8"/>
+    <p:sldId id="263" r:id="rId9"/>
+    <p:sldId id="264" r:id="rId10"/>
+    <p:sldId id="265" r:id="rId11"/>
+    <p:sldId id="266" r:id="rId12"/>
+    <p:sldId id="258" r:id="rId13"/>
   </p:sldIdLst>
   <p:sldSz cx="12192000" cy="6858000"/>
   <p:notesSz cx="6858000" cy="9144000"/>
@@ -3394,6 +3403,276 @@
 </p:sld>
 </file>
 
+<file path=ppt/slides/slide10.xml><?xml version="1.0" encoding="utf-8"?>
+<p:sld xmlns:a="http://schemas.openxmlformats.org/drawingml/2006/main" xmlns:r="http://schemas.openxmlformats.org/officeDocument/2006/relationships" xmlns:p="http://schemas.openxmlformats.org/presentationml/2006/main">
+  <p:cSld>
+    <p:spTree>
+      <p:nvGrpSpPr>
+        <p:cNvPr id="1" name=""/>
+        <p:cNvGrpSpPr/>
+        <p:nvPr/>
+      </p:nvGrpSpPr>
+      <p:grpSpPr>
+        <a:xfrm>
+          <a:off x="0" y="0"/>
+          <a:ext cx="0" cy="0"/>
+          <a:chOff x="0" y="0"/>
+          <a:chExt cx="0" cy="0"/>
+        </a:xfrm>
+      </p:grpSpPr>
+      <p:sp>
+        <p:nvSpPr>
+          <p:cNvPr id="2" name="Заголовок 1">
+            <a:extLst>
+              <a:ext uri="{FF2B5EF4-FFF2-40B4-BE49-F238E27FC236}">
+                <a16:creationId xmlns:a16="http://schemas.microsoft.com/office/drawing/2014/main" id="{3C09FF15-92FA-4023-9A6C-9904CE4446F7}"/>
+              </a:ext>
+            </a:extLst>
+          </p:cNvPr>
+          <p:cNvSpPr>
+            <a:spLocks noGrp="1"/>
+          </p:cNvSpPr>
+          <p:nvPr>
+            <p:ph type="title"/>
+          </p:nvPr>
+        </p:nvSpPr>
+        <p:spPr/>
+        <p:txBody>
+          <a:bodyPr/>
+          <a:lstStyle/>
+          <a:p>
+            <a:endParaRPr lang="uk-UA"/>
+          </a:p>
+        </p:txBody>
+      </p:sp>
+      <p:sp>
+        <p:nvSpPr>
+          <p:cNvPr id="3" name="Місце для вмісту 2">
+            <a:extLst>
+              <a:ext uri="{FF2B5EF4-FFF2-40B4-BE49-F238E27FC236}">
+                <a16:creationId xmlns:a16="http://schemas.microsoft.com/office/drawing/2014/main" id="{B04C6E14-74E2-465C-9421-C582185173FE}"/>
+              </a:ext>
+            </a:extLst>
+          </p:cNvPr>
+          <p:cNvSpPr>
+            <a:spLocks noGrp="1"/>
+          </p:cNvSpPr>
+          <p:nvPr>
+            <p:ph idx="1"/>
+          </p:nvPr>
+        </p:nvSpPr>
+        <p:spPr/>
+        <p:txBody>
+          <a:bodyPr/>
+          <a:lstStyle/>
+          <a:p>
+            <a:endParaRPr lang="uk-UA"/>
+          </a:p>
+        </p:txBody>
+      </p:sp>
+    </p:spTree>
+    <p:extLst>
+      <p:ext uri="{BB962C8B-B14F-4D97-AF65-F5344CB8AC3E}">
+        <p14:creationId xmlns:p14="http://schemas.microsoft.com/office/powerpoint/2010/main" val="1943990042"/>
+      </p:ext>
+    </p:extLst>
+  </p:cSld>
+  <p:clrMapOvr>
+    <a:masterClrMapping/>
+  </p:clrMapOvr>
+</p:sld>
+</file>
+
+<file path=ppt/slides/slide11.xml><?xml version="1.0" encoding="utf-8"?>
+<p:sld xmlns:a="http://schemas.openxmlformats.org/drawingml/2006/main" xmlns:r="http://schemas.openxmlformats.org/officeDocument/2006/relationships" xmlns:p="http://schemas.openxmlformats.org/presentationml/2006/main">
+  <p:cSld>
+    <p:spTree>
+      <p:nvGrpSpPr>
+        <p:cNvPr id="1" name=""/>
+        <p:cNvGrpSpPr/>
+        <p:nvPr/>
+      </p:nvGrpSpPr>
+      <p:grpSpPr>
+        <a:xfrm>
+          <a:off x="0" y="0"/>
+          <a:ext cx="0" cy="0"/>
+          <a:chOff x="0" y="0"/>
+          <a:chExt cx="0" cy="0"/>
+        </a:xfrm>
+      </p:grpSpPr>
+      <p:sp>
+        <p:nvSpPr>
+          <p:cNvPr id="2" name="Заголовок 1">
+            <a:extLst>
+              <a:ext uri="{FF2B5EF4-FFF2-40B4-BE49-F238E27FC236}">
+                <a16:creationId xmlns:a16="http://schemas.microsoft.com/office/drawing/2014/main" id="{F356521F-99DA-4B2A-9F64-72FABF2533C3}"/>
+              </a:ext>
+            </a:extLst>
+          </p:cNvPr>
+          <p:cNvSpPr>
+            <a:spLocks noGrp="1"/>
+          </p:cNvSpPr>
+          <p:nvPr>
+            <p:ph type="title"/>
+          </p:nvPr>
+        </p:nvSpPr>
+        <p:spPr/>
+        <p:txBody>
+          <a:bodyPr/>
+          <a:lstStyle/>
+          <a:p>
+            <a:endParaRPr lang="uk-UA"/>
+          </a:p>
+        </p:txBody>
+      </p:sp>
+      <p:sp>
+        <p:nvSpPr>
+          <p:cNvPr id="3" name="Місце для вмісту 2">
+            <a:extLst>
+              <a:ext uri="{FF2B5EF4-FFF2-40B4-BE49-F238E27FC236}">
+                <a16:creationId xmlns:a16="http://schemas.microsoft.com/office/drawing/2014/main" id="{42E9C584-C7F7-4DE7-AE92-9AE6DCA19A49}"/>
+              </a:ext>
+            </a:extLst>
+          </p:cNvPr>
+          <p:cNvSpPr>
+            <a:spLocks noGrp="1"/>
+          </p:cNvSpPr>
+          <p:nvPr>
+            <p:ph idx="1"/>
+          </p:nvPr>
+        </p:nvSpPr>
+        <p:spPr/>
+        <p:txBody>
+          <a:bodyPr/>
+          <a:lstStyle/>
+          <a:p>
+            <a:endParaRPr lang="uk-UA"/>
+          </a:p>
+        </p:txBody>
+      </p:sp>
+    </p:spTree>
+    <p:extLst>
+      <p:ext uri="{BB962C8B-B14F-4D97-AF65-F5344CB8AC3E}">
+        <p14:creationId xmlns:p14="http://schemas.microsoft.com/office/powerpoint/2010/main" val="3916709882"/>
+      </p:ext>
+    </p:extLst>
+  </p:cSld>
+  <p:clrMapOvr>
+    <a:masterClrMapping/>
+  </p:clrMapOvr>
+</p:sld>
+</file>
+
+<file path=ppt/slides/slide12.xml><?xml version="1.0" encoding="utf-8"?>
+<p:sld xmlns:a="http://schemas.openxmlformats.org/drawingml/2006/main" xmlns:r="http://schemas.openxmlformats.org/officeDocument/2006/relationships" xmlns:p="http://schemas.openxmlformats.org/presentationml/2006/main">
+  <p:cSld>
+    <p:spTree>
+      <p:nvGrpSpPr>
+        <p:cNvPr id="1" name=""/>
+        <p:cNvGrpSpPr/>
+        <p:nvPr/>
+      </p:nvGrpSpPr>
+      <p:grpSpPr>
+        <a:xfrm>
+          <a:off x="0" y="0"/>
+          <a:ext cx="0" cy="0"/>
+          <a:chOff x="0" y="0"/>
+          <a:chExt cx="0" cy="0"/>
+        </a:xfrm>
+      </p:grpSpPr>
+      <p:sp>
+        <p:nvSpPr>
+          <p:cNvPr id="2" name="Заголовок 1">
+            <a:extLst>
+              <a:ext uri="{FF2B5EF4-FFF2-40B4-BE49-F238E27FC236}">
+                <a16:creationId xmlns:a16="http://schemas.microsoft.com/office/drawing/2014/main" id="{DC69E27F-021F-4FE8-ADF8-00165A0AFDC7}"/>
+              </a:ext>
+            </a:extLst>
+          </p:cNvPr>
+          <p:cNvSpPr>
+            <a:spLocks noGrp="1"/>
+          </p:cNvSpPr>
+          <p:nvPr>
+            <p:ph type="title"/>
+          </p:nvPr>
+        </p:nvSpPr>
+        <p:spPr/>
+        <p:txBody>
+          <a:bodyPr/>
+          <a:lstStyle/>
+          <a:p>
+            <a:r>
+              <a:rPr lang="uk-UA" dirty="0"/>
+              <a:t>Результат дипломної роботи</a:t>
+            </a:r>
+          </a:p>
+        </p:txBody>
+      </p:sp>
+      <p:sp>
+        <p:nvSpPr>
+          <p:cNvPr id="3" name="Місце для вмісту 2">
+            <a:extLst>
+              <a:ext uri="{FF2B5EF4-FFF2-40B4-BE49-F238E27FC236}">
+                <a16:creationId xmlns:a16="http://schemas.microsoft.com/office/drawing/2014/main" id="{E4F9505F-9CE6-4482-A57E-273CA53EC743}"/>
+              </a:ext>
+            </a:extLst>
+          </p:cNvPr>
+          <p:cNvSpPr>
+            <a:spLocks noGrp="1"/>
+          </p:cNvSpPr>
+          <p:nvPr>
+            <p:ph idx="1"/>
+          </p:nvPr>
+        </p:nvSpPr>
+        <p:spPr/>
+        <p:txBody>
+          <a:bodyPr/>
+          <a:lstStyle/>
+          <a:p>
+            <a:r>
+              <a:rPr lang="uk-UA" dirty="0"/>
+              <a:t>В результаті роботи був спроектований годинник  за допомогою пакету програм автоматизованого проектування </a:t>
+            </a:r>
+            <a:r>
+              <a:rPr lang="en-US" dirty="0"/>
+              <a:t>Proteus. </a:t>
+            </a:r>
+            <a:r>
+              <a:rPr lang="uk-UA" dirty="0"/>
+              <a:t>Годинник спроектований на основі плати </a:t>
+            </a:r>
+            <a:r>
+              <a:rPr lang="en-US" dirty="0"/>
+              <a:t>Arduino Uno. </a:t>
+            </a:r>
+            <a:r>
+              <a:rPr lang="uk-UA" dirty="0"/>
+              <a:t>До плати підключені </a:t>
+            </a:r>
+            <a:r>
+              <a:rPr lang="en-US" dirty="0"/>
+              <a:t>GPS-</a:t>
+            </a:r>
+            <a:r>
+              <a:rPr lang="uk-UA" dirty="0"/>
+              <a:t>приймач і рідкокристалічний дисплей, який показує час у даному випадку.</a:t>
+            </a:r>
+          </a:p>
+        </p:txBody>
+      </p:sp>
+    </p:spTree>
+    <p:extLst>
+      <p:ext uri="{BB962C8B-B14F-4D97-AF65-F5344CB8AC3E}">
+        <p14:creationId xmlns:p14="http://schemas.microsoft.com/office/powerpoint/2010/main" val="2174911420"/>
+      </p:ext>
+    </p:extLst>
+  </p:cSld>
+  <p:clrMapOvr>
+    <a:masterClrMapping/>
+  </p:clrMapOvr>
+</p:sld>
+</file>
+
 <file path=ppt/slides/slide2.xml><?xml version="1.0" encoding="utf-8"?>
 <p:sld xmlns:a="http://schemas.openxmlformats.org/drawingml/2006/main" xmlns:r="http://schemas.openxmlformats.org/officeDocument/2006/relationships" xmlns:p="http://schemas.openxmlformats.org/presentationml/2006/main">
   <p:cSld>
@@ -3460,7 +3739,18 @@
           <a:bodyPr/>
           <a:lstStyle/>
           <a:p>
-            <a:endParaRPr lang="uk-UA" dirty="0"/>
+            <a:r>
+              <a:rPr lang="uk-UA" dirty="0"/>
+              <a:t>Метою використання літератури є отримання інформації, необхідної для розробки цифрового годинника із синхронізацією точного часу. Синхронізація часу необхідна для узгодження пристроїв і додатків, що обробляють дані в режимі реального часу. Для отримання більш точних даних про час годинники можуть узгоджуватися з сигналами точного часу, які передаються радіостанціями, супутниками, або серверами, які володіють точною інформацією про час. Для удосконалення точності часу, виправлення найменших похибок і </a:t>
+            </a:r>
+            <a:r>
+              <a:rPr lang="uk-UA" dirty="0" err="1"/>
+              <a:t>неточностей</a:t>
+            </a:r>
+            <a:r>
+              <a:rPr lang="uk-UA" dirty="0"/>
+              <a:t> сучасні цифрові годинники використовують синхронізацію часу.</a:t>
+            </a:r>
           </a:p>
         </p:txBody>
       </p:sp>
@@ -3499,7 +3789,7 @@
           <p:cNvPr id="2" name="Заголовок 1">
             <a:extLst>
               <a:ext uri="{FF2B5EF4-FFF2-40B4-BE49-F238E27FC236}">
-                <a16:creationId xmlns:a16="http://schemas.microsoft.com/office/drawing/2014/main" id="{DC69E27F-021F-4FE8-ADF8-00165A0AFDC7}"/>
+                <a16:creationId xmlns:a16="http://schemas.microsoft.com/office/drawing/2014/main" id="{D92C67B4-76D1-43C2-96B4-1D7A860E0AA9}"/>
               </a:ext>
             </a:extLst>
           </p:cNvPr>
@@ -3515,7 +3805,10 @@
           <a:bodyPr/>
           <a:lstStyle/>
           <a:p>
-            <a:endParaRPr lang="uk-UA"/>
+            <a:r>
+              <a:rPr lang="uk-UA" dirty="0"/>
+              <a:t>Розглянуті теми перед визначеним завданням</a:t>
+            </a:r>
           </a:p>
         </p:txBody>
       </p:sp>
@@ -3524,7 +3817,7 @@
           <p:cNvPr id="3" name="Місце для вмісту 2">
             <a:extLst>
               <a:ext uri="{FF2B5EF4-FFF2-40B4-BE49-F238E27FC236}">
-                <a16:creationId xmlns:a16="http://schemas.microsoft.com/office/drawing/2014/main" id="{E4F9505F-9CE6-4482-A57E-273CA53EC743}"/>
+                <a16:creationId xmlns:a16="http://schemas.microsoft.com/office/drawing/2014/main" id="{2AEB3C96-9AC9-49BC-8957-E6E26B17C12D}"/>
               </a:ext>
             </a:extLst>
           </p:cNvPr>
@@ -3540,14 +3833,574 @@
           <a:bodyPr/>
           <a:lstStyle/>
           <a:p>
-            <a:endParaRPr lang="uk-UA"/>
+            <a:r>
+              <a:rPr lang="uk-UA" dirty="0"/>
+              <a:t>Перед тим як визначитись із завданням, вивчав інформацію за такими темами:</a:t>
+            </a:r>
+          </a:p>
+          <a:p>
+            <a:pPr lvl="1"/>
+            <a:r>
+              <a:rPr lang="uk-UA" dirty="0"/>
+              <a:t>Принцип роботи цифрових годинників</a:t>
+            </a:r>
+          </a:p>
+          <a:p>
+            <a:pPr lvl="1"/>
+            <a:r>
+              <a:rPr lang="uk-UA" dirty="0"/>
+              <a:t>Технології та типи синхронізації часу</a:t>
+            </a:r>
+          </a:p>
+          <a:p>
+            <a:pPr lvl="1"/>
+            <a:r>
+              <a:rPr lang="uk-UA" dirty="0"/>
+              <a:t>Глобальна система позиціонування </a:t>
+            </a:r>
+            <a:r>
+              <a:rPr lang="en-US" dirty="0"/>
+              <a:t>GPS </a:t>
+            </a:r>
+            <a:r>
+              <a:rPr lang="uk-UA" dirty="0"/>
+              <a:t>та принцип роботи</a:t>
+            </a:r>
+            <a:endParaRPr lang="en-US" dirty="0"/>
+          </a:p>
+          <a:p>
+            <a:pPr lvl="1"/>
+            <a:r>
+              <a:rPr lang="uk-UA" dirty="0"/>
+              <a:t>GPS-приймач</a:t>
+            </a:r>
+            <a:endParaRPr lang="en-US" dirty="0"/>
+          </a:p>
+          <a:p>
+            <a:pPr lvl="1"/>
+            <a:r>
+              <a:rPr lang="uk-UA" dirty="0"/>
+              <a:t>Формат NME</a:t>
+            </a:r>
+            <a:r>
+              <a:rPr lang="en-US" dirty="0"/>
+              <a:t>A</a:t>
+            </a:r>
+            <a:endParaRPr lang="uk-UA" dirty="0"/>
+          </a:p>
+          <a:p>
+            <a:endParaRPr lang="uk-UA" dirty="0"/>
           </a:p>
         </p:txBody>
       </p:sp>
     </p:spTree>
     <p:extLst>
       <p:ext uri="{BB962C8B-B14F-4D97-AF65-F5344CB8AC3E}">
-        <p14:creationId xmlns:p14="http://schemas.microsoft.com/office/powerpoint/2010/main" val="2174911420"/>
+        <p14:creationId xmlns:p14="http://schemas.microsoft.com/office/powerpoint/2010/main" val="1996143112"/>
+      </p:ext>
+    </p:extLst>
+  </p:cSld>
+  <p:clrMapOvr>
+    <a:masterClrMapping/>
+  </p:clrMapOvr>
+</p:sld>
+</file>
+
+<file path=ppt/slides/slide4.xml><?xml version="1.0" encoding="utf-8"?>
+<p:sld xmlns:a="http://schemas.openxmlformats.org/drawingml/2006/main" xmlns:r="http://schemas.openxmlformats.org/officeDocument/2006/relationships" xmlns:p="http://schemas.openxmlformats.org/presentationml/2006/main">
+  <p:cSld>
+    <p:spTree>
+      <p:nvGrpSpPr>
+        <p:cNvPr id="1" name=""/>
+        <p:cNvGrpSpPr/>
+        <p:nvPr/>
+      </p:nvGrpSpPr>
+      <p:grpSpPr>
+        <a:xfrm>
+          <a:off x="0" y="0"/>
+          <a:ext cx="0" cy="0"/>
+          <a:chOff x="0" y="0"/>
+          <a:chExt cx="0" cy="0"/>
+        </a:xfrm>
+      </p:grpSpPr>
+      <p:sp>
+        <p:nvSpPr>
+          <p:cNvPr id="2" name="Заголовок 1">
+            <a:extLst>
+              <a:ext uri="{FF2B5EF4-FFF2-40B4-BE49-F238E27FC236}">
+                <a16:creationId xmlns:a16="http://schemas.microsoft.com/office/drawing/2014/main" id="{103D8F19-7FBF-4FE4-8367-56F25AB0BE43}"/>
+              </a:ext>
+            </a:extLst>
+          </p:cNvPr>
+          <p:cNvSpPr>
+            <a:spLocks noGrp="1"/>
+          </p:cNvSpPr>
+          <p:nvPr>
+            <p:ph type="title"/>
+          </p:nvPr>
+        </p:nvSpPr>
+        <p:spPr/>
+        <p:txBody>
+          <a:bodyPr>
+            <a:normAutofit fontScale="90000"/>
+          </a:bodyPr>
+          <a:lstStyle/>
+          <a:p>
+            <a:br>
+              <a:rPr lang="uk-UA" dirty="0"/>
+            </a:br>
+            <a:r>
+              <a:rPr lang="uk-UA" dirty="0"/>
+              <a:t>Принцип роботи цифрових годинників</a:t>
+            </a:r>
+            <a:br>
+              <a:rPr lang="uk-UA" dirty="0"/>
+            </a:br>
+            <a:endParaRPr lang="uk-UA" dirty="0"/>
+          </a:p>
+        </p:txBody>
+      </p:sp>
+      <p:sp>
+        <p:nvSpPr>
+          <p:cNvPr id="3" name="Місце для вмісту 2">
+            <a:extLst>
+              <a:ext uri="{FF2B5EF4-FFF2-40B4-BE49-F238E27FC236}">
+                <a16:creationId xmlns:a16="http://schemas.microsoft.com/office/drawing/2014/main" id="{48F6CD2D-9F2A-4722-84EC-B9DFE9EFD374}"/>
+              </a:ext>
+            </a:extLst>
+          </p:cNvPr>
+          <p:cNvSpPr>
+            <a:spLocks noGrp="1"/>
+          </p:cNvSpPr>
+          <p:nvPr>
+            <p:ph idx="1"/>
+          </p:nvPr>
+        </p:nvSpPr>
+        <p:spPr/>
+        <p:txBody>
+          <a:bodyPr/>
+          <a:lstStyle/>
+          <a:p>
+            <a:endParaRPr lang="uk-UA" dirty="0"/>
+          </a:p>
+        </p:txBody>
+      </p:sp>
+    </p:spTree>
+    <p:extLst>
+      <p:ext uri="{BB962C8B-B14F-4D97-AF65-F5344CB8AC3E}">
+        <p14:creationId xmlns:p14="http://schemas.microsoft.com/office/powerpoint/2010/main" val="616393291"/>
+      </p:ext>
+    </p:extLst>
+  </p:cSld>
+  <p:clrMapOvr>
+    <a:masterClrMapping/>
+  </p:clrMapOvr>
+</p:sld>
+</file>
+
+<file path=ppt/slides/slide5.xml><?xml version="1.0" encoding="utf-8"?>
+<p:sld xmlns:a="http://schemas.openxmlformats.org/drawingml/2006/main" xmlns:r="http://schemas.openxmlformats.org/officeDocument/2006/relationships" xmlns:p="http://schemas.openxmlformats.org/presentationml/2006/main">
+  <p:cSld>
+    <p:spTree>
+      <p:nvGrpSpPr>
+        <p:cNvPr id="1" name=""/>
+        <p:cNvGrpSpPr/>
+        <p:nvPr/>
+      </p:nvGrpSpPr>
+      <p:grpSpPr>
+        <a:xfrm>
+          <a:off x="0" y="0"/>
+          <a:ext cx="0" cy="0"/>
+          <a:chOff x="0" y="0"/>
+          <a:chExt cx="0" cy="0"/>
+        </a:xfrm>
+      </p:grpSpPr>
+      <p:sp>
+        <p:nvSpPr>
+          <p:cNvPr id="2" name="Заголовок 1">
+            <a:extLst>
+              <a:ext uri="{FF2B5EF4-FFF2-40B4-BE49-F238E27FC236}">
+                <a16:creationId xmlns:a16="http://schemas.microsoft.com/office/drawing/2014/main" id="{60FBC1F5-1AAA-4ECD-AB42-DCBC7287E895}"/>
+              </a:ext>
+            </a:extLst>
+          </p:cNvPr>
+          <p:cNvSpPr>
+            <a:spLocks noGrp="1"/>
+          </p:cNvSpPr>
+          <p:nvPr>
+            <p:ph type="title"/>
+          </p:nvPr>
+        </p:nvSpPr>
+        <p:spPr/>
+        <p:txBody>
+          <a:bodyPr/>
+          <a:lstStyle/>
+          <a:p>
+            <a:r>
+              <a:rPr lang="uk-UA" dirty="0"/>
+              <a:t>GPS. Принцип роботи</a:t>
+            </a:r>
+          </a:p>
+        </p:txBody>
+      </p:sp>
+      <p:sp>
+        <p:nvSpPr>
+          <p:cNvPr id="3" name="Місце для вмісту 2">
+            <a:extLst>
+              <a:ext uri="{FF2B5EF4-FFF2-40B4-BE49-F238E27FC236}">
+                <a16:creationId xmlns:a16="http://schemas.microsoft.com/office/drawing/2014/main" id="{FC3E96A9-84F1-4E81-AC60-813B5113EDE9}"/>
+              </a:ext>
+            </a:extLst>
+          </p:cNvPr>
+          <p:cNvSpPr>
+            <a:spLocks noGrp="1"/>
+          </p:cNvSpPr>
+          <p:nvPr>
+            <p:ph idx="1"/>
+          </p:nvPr>
+        </p:nvSpPr>
+        <p:spPr/>
+        <p:txBody>
+          <a:bodyPr/>
+          <a:lstStyle/>
+          <a:p>
+            <a:endParaRPr lang="uk-UA"/>
+          </a:p>
+        </p:txBody>
+      </p:sp>
+    </p:spTree>
+    <p:extLst>
+      <p:ext uri="{BB962C8B-B14F-4D97-AF65-F5344CB8AC3E}">
+        <p14:creationId xmlns:p14="http://schemas.microsoft.com/office/powerpoint/2010/main" val="2247720062"/>
+      </p:ext>
+    </p:extLst>
+  </p:cSld>
+  <p:clrMapOvr>
+    <a:masterClrMapping/>
+  </p:clrMapOvr>
+</p:sld>
+</file>
+
+<file path=ppt/slides/slide6.xml><?xml version="1.0" encoding="utf-8"?>
+<p:sld xmlns:a="http://schemas.openxmlformats.org/drawingml/2006/main" xmlns:r="http://schemas.openxmlformats.org/officeDocument/2006/relationships" xmlns:p="http://schemas.openxmlformats.org/presentationml/2006/main">
+  <p:cSld>
+    <p:spTree>
+      <p:nvGrpSpPr>
+        <p:cNvPr id="1" name=""/>
+        <p:cNvGrpSpPr/>
+        <p:nvPr/>
+      </p:nvGrpSpPr>
+      <p:grpSpPr>
+        <a:xfrm>
+          <a:off x="0" y="0"/>
+          <a:ext cx="0" cy="0"/>
+          <a:chOff x="0" y="0"/>
+          <a:chExt cx="0" cy="0"/>
+        </a:xfrm>
+      </p:grpSpPr>
+      <p:sp>
+        <p:nvSpPr>
+          <p:cNvPr id="2" name="Заголовок 1">
+            <a:extLst>
+              <a:ext uri="{FF2B5EF4-FFF2-40B4-BE49-F238E27FC236}">
+                <a16:creationId xmlns:a16="http://schemas.microsoft.com/office/drawing/2014/main" id="{14D8040F-A250-4A8D-87EF-4A6081741267}"/>
+              </a:ext>
+            </a:extLst>
+          </p:cNvPr>
+          <p:cNvSpPr>
+            <a:spLocks noGrp="1"/>
+          </p:cNvSpPr>
+          <p:nvPr>
+            <p:ph type="title"/>
+          </p:nvPr>
+        </p:nvSpPr>
+        <p:spPr/>
+        <p:txBody>
+          <a:bodyPr/>
+          <a:lstStyle/>
+          <a:p>
+            <a:r>
+              <a:rPr lang="uk-UA" dirty="0"/>
+              <a:t>Особливості GPS-синхронізації для електронних годинників</a:t>
+            </a:r>
+          </a:p>
+        </p:txBody>
+      </p:sp>
+      <p:sp>
+        <p:nvSpPr>
+          <p:cNvPr id="3" name="Місце для вмісту 2">
+            <a:extLst>
+              <a:ext uri="{FF2B5EF4-FFF2-40B4-BE49-F238E27FC236}">
+                <a16:creationId xmlns:a16="http://schemas.microsoft.com/office/drawing/2014/main" id="{4381F981-A75B-448E-B436-101CB009AEE4}"/>
+              </a:ext>
+            </a:extLst>
+          </p:cNvPr>
+          <p:cNvSpPr>
+            <a:spLocks noGrp="1"/>
+          </p:cNvSpPr>
+          <p:nvPr>
+            <p:ph idx="1"/>
+          </p:nvPr>
+        </p:nvSpPr>
+        <p:spPr/>
+        <p:txBody>
+          <a:bodyPr/>
+          <a:lstStyle/>
+          <a:p>
+            <a:endParaRPr lang="uk-UA"/>
+          </a:p>
+        </p:txBody>
+      </p:sp>
+    </p:spTree>
+    <p:extLst>
+      <p:ext uri="{BB962C8B-B14F-4D97-AF65-F5344CB8AC3E}">
+        <p14:creationId xmlns:p14="http://schemas.microsoft.com/office/powerpoint/2010/main" val="3819054204"/>
+      </p:ext>
+    </p:extLst>
+  </p:cSld>
+  <p:clrMapOvr>
+    <a:masterClrMapping/>
+  </p:clrMapOvr>
+</p:sld>
+</file>
+
+<file path=ppt/slides/slide7.xml><?xml version="1.0" encoding="utf-8"?>
+<p:sld xmlns:a="http://schemas.openxmlformats.org/drawingml/2006/main" xmlns:r="http://schemas.openxmlformats.org/officeDocument/2006/relationships" xmlns:p="http://schemas.openxmlformats.org/presentationml/2006/main">
+  <p:cSld>
+    <p:spTree>
+      <p:nvGrpSpPr>
+        <p:cNvPr id="1" name=""/>
+        <p:cNvGrpSpPr/>
+        <p:nvPr/>
+      </p:nvGrpSpPr>
+      <p:grpSpPr>
+        <a:xfrm>
+          <a:off x="0" y="0"/>
+          <a:ext cx="0" cy="0"/>
+          <a:chOff x="0" y="0"/>
+          <a:chExt cx="0" cy="0"/>
+        </a:xfrm>
+      </p:grpSpPr>
+      <p:sp>
+        <p:nvSpPr>
+          <p:cNvPr id="2" name="Заголовок 1">
+            <a:extLst>
+              <a:ext uri="{FF2B5EF4-FFF2-40B4-BE49-F238E27FC236}">
+                <a16:creationId xmlns:a16="http://schemas.microsoft.com/office/drawing/2014/main" id="{E6F403B6-A5D6-4505-A5C6-73DBEB06DC05}"/>
+              </a:ext>
+            </a:extLst>
+          </p:cNvPr>
+          <p:cNvSpPr>
+            <a:spLocks noGrp="1"/>
+          </p:cNvSpPr>
+          <p:nvPr>
+            <p:ph type="title"/>
+          </p:nvPr>
+        </p:nvSpPr>
+        <p:spPr/>
+        <p:txBody>
+          <a:bodyPr/>
+          <a:lstStyle/>
+          <a:p>
+            <a:r>
+              <a:rPr lang="uk-UA" dirty="0"/>
+              <a:t>GPS-приймач</a:t>
+            </a:r>
+          </a:p>
+        </p:txBody>
+      </p:sp>
+      <p:sp>
+        <p:nvSpPr>
+          <p:cNvPr id="3" name="Місце для вмісту 2">
+            <a:extLst>
+              <a:ext uri="{FF2B5EF4-FFF2-40B4-BE49-F238E27FC236}">
+                <a16:creationId xmlns:a16="http://schemas.microsoft.com/office/drawing/2014/main" id="{40F6C8C9-A241-400D-A78E-158C48E73DCA}"/>
+              </a:ext>
+            </a:extLst>
+          </p:cNvPr>
+          <p:cNvSpPr>
+            <a:spLocks noGrp="1"/>
+          </p:cNvSpPr>
+          <p:nvPr>
+            <p:ph idx="1"/>
+          </p:nvPr>
+        </p:nvSpPr>
+        <p:spPr/>
+        <p:txBody>
+          <a:bodyPr/>
+          <a:lstStyle/>
+          <a:p>
+            <a:endParaRPr lang="uk-UA"/>
+          </a:p>
+        </p:txBody>
+      </p:sp>
+    </p:spTree>
+    <p:extLst>
+      <p:ext uri="{BB962C8B-B14F-4D97-AF65-F5344CB8AC3E}">
+        <p14:creationId xmlns:p14="http://schemas.microsoft.com/office/powerpoint/2010/main" val="4018485467"/>
+      </p:ext>
+    </p:extLst>
+  </p:cSld>
+  <p:clrMapOvr>
+    <a:masterClrMapping/>
+  </p:clrMapOvr>
+</p:sld>
+</file>
+
+<file path=ppt/slides/slide8.xml><?xml version="1.0" encoding="utf-8"?>
+<p:sld xmlns:a="http://schemas.openxmlformats.org/drawingml/2006/main" xmlns:r="http://schemas.openxmlformats.org/officeDocument/2006/relationships" xmlns:p="http://schemas.openxmlformats.org/presentationml/2006/main">
+  <p:cSld>
+    <p:spTree>
+      <p:nvGrpSpPr>
+        <p:cNvPr id="1" name=""/>
+        <p:cNvGrpSpPr/>
+        <p:nvPr/>
+      </p:nvGrpSpPr>
+      <p:grpSpPr>
+        <a:xfrm>
+          <a:off x="0" y="0"/>
+          <a:ext cx="0" cy="0"/>
+          <a:chOff x="0" y="0"/>
+          <a:chExt cx="0" cy="0"/>
+        </a:xfrm>
+      </p:grpSpPr>
+      <p:sp>
+        <p:nvSpPr>
+          <p:cNvPr id="2" name="Заголовок 1">
+            <a:extLst>
+              <a:ext uri="{FF2B5EF4-FFF2-40B4-BE49-F238E27FC236}">
+                <a16:creationId xmlns:a16="http://schemas.microsoft.com/office/drawing/2014/main" id="{9E6CDE42-2DD6-42F4-956D-BC4844556521}"/>
+              </a:ext>
+            </a:extLst>
+          </p:cNvPr>
+          <p:cNvSpPr>
+            <a:spLocks noGrp="1"/>
+          </p:cNvSpPr>
+          <p:nvPr>
+            <p:ph type="title"/>
+          </p:nvPr>
+        </p:nvSpPr>
+        <p:spPr/>
+        <p:txBody>
+          <a:bodyPr/>
+          <a:lstStyle/>
+          <a:p>
+            <a:r>
+              <a:rPr lang="uk-UA" dirty="0"/>
+              <a:t>Формат NMEA</a:t>
+            </a:r>
+          </a:p>
+        </p:txBody>
+      </p:sp>
+      <p:sp>
+        <p:nvSpPr>
+          <p:cNvPr id="3" name="Місце для вмісту 2">
+            <a:extLst>
+              <a:ext uri="{FF2B5EF4-FFF2-40B4-BE49-F238E27FC236}">
+                <a16:creationId xmlns:a16="http://schemas.microsoft.com/office/drawing/2014/main" id="{A43523C8-2935-4D71-9096-BA727296840B}"/>
+              </a:ext>
+            </a:extLst>
+          </p:cNvPr>
+          <p:cNvSpPr>
+            <a:spLocks noGrp="1"/>
+          </p:cNvSpPr>
+          <p:nvPr>
+            <p:ph idx="1"/>
+          </p:nvPr>
+        </p:nvSpPr>
+        <p:spPr/>
+        <p:txBody>
+          <a:bodyPr/>
+          <a:lstStyle/>
+          <a:p>
+            <a:endParaRPr lang="uk-UA"/>
+          </a:p>
+        </p:txBody>
+      </p:sp>
+    </p:spTree>
+    <p:extLst>
+      <p:ext uri="{BB962C8B-B14F-4D97-AF65-F5344CB8AC3E}">
+        <p14:creationId xmlns:p14="http://schemas.microsoft.com/office/powerpoint/2010/main" val="3985529897"/>
+      </p:ext>
+    </p:extLst>
+  </p:cSld>
+  <p:clrMapOvr>
+    <a:masterClrMapping/>
+  </p:clrMapOvr>
+</p:sld>
+</file>
+
+<file path=ppt/slides/slide9.xml><?xml version="1.0" encoding="utf-8"?>
+<p:sld xmlns:a="http://schemas.openxmlformats.org/drawingml/2006/main" xmlns:r="http://schemas.openxmlformats.org/officeDocument/2006/relationships" xmlns:p="http://schemas.openxmlformats.org/presentationml/2006/main">
+  <p:cSld>
+    <p:spTree>
+      <p:nvGrpSpPr>
+        <p:cNvPr id="1" name=""/>
+        <p:cNvGrpSpPr/>
+        <p:nvPr/>
+      </p:nvGrpSpPr>
+      <p:grpSpPr>
+        <a:xfrm>
+          <a:off x="0" y="0"/>
+          <a:ext cx="0" cy="0"/>
+          <a:chOff x="0" y="0"/>
+          <a:chExt cx="0" cy="0"/>
+        </a:xfrm>
+      </p:grpSpPr>
+      <p:sp>
+        <p:nvSpPr>
+          <p:cNvPr id="2" name="Заголовок 1">
+            <a:extLst>
+              <a:ext uri="{FF2B5EF4-FFF2-40B4-BE49-F238E27FC236}">
+                <a16:creationId xmlns:a16="http://schemas.microsoft.com/office/drawing/2014/main" id="{9D613C31-3F81-4852-ACB3-E723F93918FC}"/>
+              </a:ext>
+            </a:extLst>
+          </p:cNvPr>
+          <p:cNvSpPr>
+            <a:spLocks noGrp="1"/>
+          </p:cNvSpPr>
+          <p:nvPr>
+            <p:ph type="title"/>
+          </p:nvPr>
+        </p:nvSpPr>
+        <p:spPr/>
+        <p:txBody>
+          <a:bodyPr/>
+          <a:lstStyle/>
+          <a:p>
+            <a:endParaRPr lang="uk-UA" dirty="0"/>
+          </a:p>
+        </p:txBody>
+      </p:sp>
+      <p:sp>
+        <p:nvSpPr>
+          <p:cNvPr id="3" name="Місце для вмісту 2">
+            <a:extLst>
+              <a:ext uri="{FF2B5EF4-FFF2-40B4-BE49-F238E27FC236}">
+                <a16:creationId xmlns:a16="http://schemas.microsoft.com/office/drawing/2014/main" id="{1D60D184-CE47-447C-A60E-C789318841F9}"/>
+              </a:ext>
+            </a:extLst>
+          </p:cNvPr>
+          <p:cNvSpPr>
+            <a:spLocks noGrp="1"/>
+          </p:cNvSpPr>
+          <p:nvPr>
+            <p:ph idx="1"/>
+          </p:nvPr>
+        </p:nvSpPr>
+        <p:spPr/>
+        <p:txBody>
+          <a:bodyPr/>
+          <a:lstStyle/>
+          <a:p>
+            <a:endParaRPr lang="uk-UA"/>
+          </a:p>
+        </p:txBody>
+      </p:sp>
+    </p:spTree>
+    <p:extLst>
+      <p:ext uri="{BB962C8B-B14F-4D97-AF65-F5344CB8AC3E}">
+        <p14:creationId xmlns:p14="http://schemas.microsoft.com/office/powerpoint/2010/main" val="1619736344"/>
       </p:ext>
     </p:extLst>
   </p:cSld>

--- a/Доповідь 2.pptx
+++ b/Доповідь 2.pptx
@@ -9,8 +9,8 @@
     <p:sldId id="257" r:id="rId3"/>
     <p:sldId id="259" r:id="rId4"/>
     <p:sldId id="267" r:id="rId5"/>
-    <p:sldId id="260" r:id="rId6"/>
-    <p:sldId id="261" r:id="rId7"/>
+    <p:sldId id="268" r:id="rId6"/>
+    <p:sldId id="260" r:id="rId7"/>
     <p:sldId id="262" r:id="rId8"/>
     <p:sldId id="263" r:id="rId9"/>
     <p:sldId id="264" r:id="rId10"/>
@@ -270,7 +270,7 @@
           <a:p>
             <a:fld id="{A5E37292-1CAA-46A9-BE71-0DD74F5FD393}" type="datetimeFigureOut">
               <a:rPr lang="uk-UA" smtClean="0"/>
-              <a:t>03.12.2023</a:t>
+              <a:t>04.12.2023</a:t>
             </a:fld>
             <a:endParaRPr lang="uk-UA"/>
           </a:p>
@@ -468,7 +468,7 @@
           <a:p>
             <a:fld id="{A5E37292-1CAA-46A9-BE71-0DD74F5FD393}" type="datetimeFigureOut">
               <a:rPr lang="uk-UA" smtClean="0"/>
-              <a:t>03.12.2023</a:t>
+              <a:t>04.12.2023</a:t>
             </a:fld>
             <a:endParaRPr lang="uk-UA"/>
           </a:p>
@@ -676,7 +676,7 @@
           <a:p>
             <a:fld id="{A5E37292-1CAA-46A9-BE71-0DD74F5FD393}" type="datetimeFigureOut">
               <a:rPr lang="uk-UA" smtClean="0"/>
-              <a:t>03.12.2023</a:t>
+              <a:t>04.12.2023</a:t>
             </a:fld>
             <a:endParaRPr lang="uk-UA"/>
           </a:p>
@@ -874,7 +874,7 @@
           <a:p>
             <a:fld id="{A5E37292-1CAA-46A9-BE71-0DD74F5FD393}" type="datetimeFigureOut">
               <a:rPr lang="uk-UA" smtClean="0"/>
-              <a:t>03.12.2023</a:t>
+              <a:t>04.12.2023</a:t>
             </a:fld>
             <a:endParaRPr lang="uk-UA"/>
           </a:p>
@@ -1149,7 +1149,7 @@
           <a:p>
             <a:fld id="{A5E37292-1CAA-46A9-BE71-0DD74F5FD393}" type="datetimeFigureOut">
               <a:rPr lang="uk-UA" smtClean="0"/>
-              <a:t>03.12.2023</a:t>
+              <a:t>04.12.2023</a:t>
             </a:fld>
             <a:endParaRPr lang="uk-UA"/>
           </a:p>
@@ -1414,7 +1414,7 @@
           <a:p>
             <a:fld id="{A5E37292-1CAA-46A9-BE71-0DD74F5FD393}" type="datetimeFigureOut">
               <a:rPr lang="uk-UA" smtClean="0"/>
-              <a:t>03.12.2023</a:t>
+              <a:t>04.12.2023</a:t>
             </a:fld>
             <a:endParaRPr lang="uk-UA"/>
           </a:p>
@@ -1826,7 +1826,7 @@
           <a:p>
             <a:fld id="{A5E37292-1CAA-46A9-BE71-0DD74F5FD393}" type="datetimeFigureOut">
               <a:rPr lang="uk-UA" smtClean="0"/>
-              <a:t>03.12.2023</a:t>
+              <a:t>04.12.2023</a:t>
             </a:fld>
             <a:endParaRPr lang="uk-UA"/>
           </a:p>
@@ -1967,7 +1967,7 @@
           <a:p>
             <a:fld id="{A5E37292-1CAA-46A9-BE71-0DD74F5FD393}" type="datetimeFigureOut">
               <a:rPr lang="uk-UA" smtClean="0"/>
-              <a:t>03.12.2023</a:t>
+              <a:t>04.12.2023</a:t>
             </a:fld>
             <a:endParaRPr lang="uk-UA"/>
           </a:p>
@@ -2080,7 +2080,7 @@
           <a:p>
             <a:fld id="{A5E37292-1CAA-46A9-BE71-0DD74F5FD393}" type="datetimeFigureOut">
               <a:rPr lang="uk-UA" smtClean="0"/>
-              <a:t>03.12.2023</a:t>
+              <a:t>04.12.2023</a:t>
             </a:fld>
             <a:endParaRPr lang="uk-UA"/>
           </a:p>
@@ -2391,7 +2391,7 @@
           <a:p>
             <a:fld id="{A5E37292-1CAA-46A9-BE71-0DD74F5FD393}" type="datetimeFigureOut">
               <a:rPr lang="uk-UA" smtClean="0"/>
-              <a:t>03.12.2023</a:t>
+              <a:t>04.12.2023</a:t>
             </a:fld>
             <a:endParaRPr lang="uk-UA"/>
           </a:p>
@@ -2679,7 +2679,7 @@
           <a:p>
             <a:fld id="{A5E37292-1CAA-46A9-BE71-0DD74F5FD393}" type="datetimeFigureOut">
               <a:rPr lang="uk-UA" smtClean="0"/>
-              <a:t>03.12.2023</a:t>
+              <a:t>04.12.2023</a:t>
             </a:fld>
             <a:endParaRPr lang="uk-UA"/>
           </a:p>
@@ -2920,7 +2920,7 @@
           <a:p>
             <a:fld id="{A5E37292-1CAA-46A9-BE71-0DD74F5FD393}" type="datetimeFigureOut">
               <a:rPr lang="uk-UA" smtClean="0"/>
-              <a:t>03.12.2023</a:t>
+              <a:t>04.12.2023</a:t>
             </a:fld>
             <a:endParaRPr lang="uk-UA"/>
           </a:p>
@@ -3441,7 +3441,10 @@
           <a:bodyPr/>
           <a:lstStyle/>
           <a:p>
-            <a:endParaRPr lang="uk-UA"/>
+            <a:r>
+              <a:rPr lang="uk-UA" dirty="0"/>
+              <a:t>Вибір програмного середовища</a:t>
+            </a:r>
           </a:p>
         </p:txBody>
       </p:sp>
@@ -3461,12 +3464,61 @@
             <p:ph idx="1"/>
           </p:nvPr>
         </p:nvSpPr>
-        <p:spPr/>
-        <p:txBody>
-          <a:bodyPr/>
-          <a:lstStyle/>
-          <a:p>
-            <a:endParaRPr lang="uk-UA"/>
+        <p:spPr>
+          <a:xfrm>
+            <a:off x="838200" y="1835150"/>
+            <a:ext cx="10515600" cy="4351338"/>
+          </a:xfrm>
+        </p:spPr>
+        <p:txBody>
+          <a:bodyPr/>
+          <a:lstStyle/>
+          <a:p>
+            <a:r>
+              <a:rPr lang="uk-UA" dirty="0"/>
+              <a:t>Після готового плану роботи займався вибором програмного середовища. Дивився електронні ресурси для того щоб вибрати те програмне середовище, у якому буде можливість реалізувати роботу годинника із синхронізацією часу за готовим планом. Вибрав </a:t>
+            </a:r>
+            <a:r>
+              <a:rPr lang="ru-RU" dirty="0"/>
+              <a:t> пакет </a:t>
+            </a:r>
+            <a:r>
+              <a:rPr lang="ru-RU" dirty="0" err="1"/>
+              <a:t>програм</a:t>
+            </a:r>
+            <a:r>
+              <a:rPr lang="ru-RU" dirty="0"/>
+              <a:t> для </a:t>
+            </a:r>
+            <a:r>
+              <a:rPr lang="ru-RU" dirty="0" err="1"/>
+              <a:t>автоматизованого</a:t>
+            </a:r>
+            <a:r>
+              <a:rPr lang="ru-RU" dirty="0"/>
+              <a:t> </a:t>
+            </a:r>
+            <a:r>
+              <a:rPr lang="ru-RU" dirty="0" err="1"/>
+              <a:t>проєктування</a:t>
+            </a:r>
+            <a:r>
+              <a:rPr lang="ru-RU" dirty="0"/>
+              <a:t> (САПР) </a:t>
+            </a:r>
+            <a:r>
+              <a:rPr lang="ru-RU" dirty="0" err="1"/>
+              <a:t>електронних</a:t>
+            </a:r>
+            <a:r>
+              <a:rPr lang="ru-RU" dirty="0"/>
+              <a:t> схем </a:t>
+            </a:r>
+            <a:r>
+              <a:rPr lang="en-US"/>
+              <a:t>Proteus Design.</a:t>
+            </a:r>
+            <a:endParaRPr lang="uk-UA" dirty="0"/>
           </a:p>
         </p:txBody>
       </p:sp>
@@ -3981,6 +4033,14 @@
           <a:bodyPr/>
           <a:lstStyle/>
           <a:p>
+            <a:r>
+              <a:rPr lang="uk-UA" dirty="0"/>
+              <a:t>Використовував літературу, яка описує принцип роботи цифрових годинників. Цікавився різними робочими схемами, які виконують функціональність цифрових годинників та пристроями, які приймають участь у виконанні роботи. В результаті, для відтворення роботи цифрового годинника, вибрав плату </a:t>
+            </a:r>
+            <a:r>
+              <a:rPr lang="en-US" dirty="0"/>
+              <a:t>Arduino Uno.</a:t>
+            </a:r>
             <a:endParaRPr lang="uk-UA" dirty="0"/>
           </a:p>
         </p:txBody>
@@ -4020,7 +4080,7 @@
           <p:cNvPr id="2" name="Заголовок 1">
             <a:extLst>
               <a:ext uri="{FF2B5EF4-FFF2-40B4-BE49-F238E27FC236}">
-                <a16:creationId xmlns:a16="http://schemas.microsoft.com/office/drawing/2014/main" id="{60FBC1F5-1AAA-4ECD-AB42-DCBC7287E895}"/>
+                <a16:creationId xmlns:a16="http://schemas.microsoft.com/office/drawing/2014/main" id="{A835BDFA-7811-4E00-A94E-B9D918C3DEA5}"/>
               </a:ext>
             </a:extLst>
           </p:cNvPr>
@@ -4033,45 +4093,85 @@
         </p:nvSpPr>
         <p:spPr/>
         <p:txBody>
+          <a:bodyPr>
+            <a:normAutofit fontScale="90000"/>
+          </a:bodyPr>
+          <a:lstStyle/>
+          <a:p>
+            <a:br>
+              <a:rPr lang="en-US" dirty="0"/>
+            </a:br>
+            <a:r>
+              <a:rPr lang="ru-RU" dirty="0" err="1"/>
+              <a:t>Технології</a:t>
+            </a:r>
+            <a:r>
+              <a:rPr lang="ru-RU" dirty="0"/>
+              <a:t> та типи </a:t>
+            </a:r>
+            <a:r>
+              <a:rPr lang="ru-RU" dirty="0" err="1"/>
+              <a:t>синхронізації</a:t>
+            </a:r>
+            <a:r>
+              <a:rPr lang="ru-RU" dirty="0"/>
+              <a:t> часу</a:t>
+            </a:r>
+            <a:br>
+              <a:rPr lang="ru-RU" dirty="0"/>
+            </a:br>
+            <a:endParaRPr lang="uk-UA" dirty="0"/>
+          </a:p>
+        </p:txBody>
+      </p:sp>
+      <p:sp>
+        <p:nvSpPr>
+          <p:cNvPr id="3" name="Місце для вмісту 2">
+            <a:extLst>
+              <a:ext uri="{FF2B5EF4-FFF2-40B4-BE49-F238E27FC236}">
+                <a16:creationId xmlns:a16="http://schemas.microsoft.com/office/drawing/2014/main" id="{3A600D81-69F2-451D-96B0-8673E455FC6F}"/>
+              </a:ext>
+            </a:extLst>
+          </p:cNvPr>
+          <p:cNvSpPr>
+            <a:spLocks noGrp="1"/>
+          </p:cNvSpPr>
+          <p:nvPr>
+            <p:ph idx="1"/>
+          </p:nvPr>
+        </p:nvSpPr>
+        <p:spPr/>
+        <p:txBody>
           <a:bodyPr/>
           <a:lstStyle/>
           <a:p>
             <a:r>
               <a:rPr lang="uk-UA" dirty="0"/>
-              <a:t>GPS. Принцип роботи</a:t>
-            </a:r>
-          </a:p>
-        </p:txBody>
-      </p:sp>
-      <p:sp>
-        <p:nvSpPr>
-          <p:cNvPr id="3" name="Місце для вмісту 2">
-            <a:extLst>
-              <a:ext uri="{FF2B5EF4-FFF2-40B4-BE49-F238E27FC236}">
-                <a16:creationId xmlns:a16="http://schemas.microsoft.com/office/drawing/2014/main" id="{FC3E96A9-84F1-4E81-AC60-813B5113EDE9}"/>
-              </a:ext>
-            </a:extLst>
-          </p:cNvPr>
-          <p:cNvSpPr>
-            <a:spLocks noGrp="1"/>
-          </p:cNvSpPr>
-          <p:nvPr>
-            <p:ph idx="1"/>
-          </p:nvPr>
-        </p:nvSpPr>
-        <p:spPr/>
-        <p:txBody>
-          <a:bodyPr/>
-          <a:lstStyle/>
-          <a:p>
-            <a:endParaRPr lang="uk-UA"/>
+              <a:t>Цифрові годинники з кварцовим генератором можуть поспішати або відставати на кілька секунд за місяць або навіть за тиждень</a:t>
+            </a:r>
+            <a:r>
+              <a:rPr lang="en-US" dirty="0"/>
+              <a:t>. </a:t>
+            </a:r>
+            <a:r>
+              <a:rPr lang="uk-UA" dirty="0"/>
+              <a:t>Для збільшення точності роботи сучасні годинники виробляються з синхронізацією сигналів точного часу. Дізнався про односторонній та двосторонній методи синхронізації часу. Розглядав літературу для вибору технології, що використовується для синхронізації часу. Вибрав</a:t>
+            </a:r>
+            <a:r>
+              <a:rPr lang="en-US" dirty="0"/>
+              <a:t> GPS-</a:t>
+            </a:r>
+            <a:r>
+              <a:rPr lang="uk-UA" dirty="0"/>
+              <a:t>синхронізацію часу.</a:t>
+            </a:r>
           </a:p>
         </p:txBody>
       </p:sp>
     </p:spTree>
     <p:extLst>
       <p:ext uri="{BB962C8B-B14F-4D97-AF65-F5344CB8AC3E}">
-        <p14:creationId xmlns:p14="http://schemas.microsoft.com/office/powerpoint/2010/main" val="2247720062"/>
+        <p14:creationId xmlns:p14="http://schemas.microsoft.com/office/powerpoint/2010/main" val="1306257132"/>
       </p:ext>
     </p:extLst>
   </p:cSld>
@@ -4103,7 +4203,7 @@
           <p:cNvPr id="2" name="Заголовок 1">
             <a:extLst>
               <a:ext uri="{FF2B5EF4-FFF2-40B4-BE49-F238E27FC236}">
-                <a16:creationId xmlns:a16="http://schemas.microsoft.com/office/drawing/2014/main" id="{14D8040F-A250-4A8D-87EF-4A6081741267}"/>
+                <a16:creationId xmlns:a16="http://schemas.microsoft.com/office/drawing/2014/main" id="{60FBC1F5-1AAA-4ECD-AB42-DCBC7287E895}"/>
               </a:ext>
             </a:extLst>
           </p:cNvPr>
@@ -4121,7 +4221,7 @@
           <a:p>
             <a:r>
               <a:rPr lang="uk-UA" dirty="0"/>
-              <a:t>Особливості GPS-синхронізації для електронних годинників</a:t>
+              <a:t>GPS. Принцип роботи</a:t>
             </a:r>
           </a:p>
         </p:txBody>
@@ -4131,7 +4231,7 @@
           <p:cNvPr id="3" name="Місце для вмісту 2">
             <a:extLst>
               <a:ext uri="{FF2B5EF4-FFF2-40B4-BE49-F238E27FC236}">
-                <a16:creationId xmlns:a16="http://schemas.microsoft.com/office/drawing/2014/main" id="{4381F981-A75B-448E-B436-101CB009AEE4}"/>
+                <a16:creationId xmlns:a16="http://schemas.microsoft.com/office/drawing/2014/main" id="{FC3E96A9-84F1-4E81-AC60-813B5113EDE9}"/>
               </a:ext>
             </a:extLst>
           </p:cNvPr>
@@ -4147,14 +4247,65 @@
           <a:bodyPr/>
           <a:lstStyle/>
           <a:p>
-            <a:endParaRPr lang="uk-UA"/>
+            <a:r>
+              <a:rPr lang="uk-UA" dirty="0"/>
+              <a:t>У зв’язку з вибраним способом синхронізації часу цікавився</a:t>
+            </a:r>
+            <a:r>
+              <a:rPr lang="en-US" dirty="0"/>
+              <a:t> </a:t>
+            </a:r>
+            <a:r>
+              <a:rPr lang="uk-UA" dirty="0"/>
+              <a:t>системою глобального позиціонування </a:t>
+            </a:r>
+            <a:r>
+              <a:rPr lang="en-US" dirty="0"/>
+              <a:t>GPS</a:t>
+            </a:r>
+            <a:r>
+              <a:rPr lang="ru-RU" dirty="0"/>
+              <a:t> та принципом </a:t>
+            </a:r>
+            <a:r>
+              <a:rPr lang="ru-RU" dirty="0" err="1"/>
+              <a:t>її</a:t>
+            </a:r>
+            <a:r>
+              <a:rPr lang="ru-RU" dirty="0"/>
+              <a:t> </a:t>
+            </a:r>
+            <a:r>
+              <a:rPr lang="ru-RU" dirty="0" err="1"/>
+              <a:t>роботи</a:t>
+            </a:r>
+            <a:r>
+              <a:rPr lang="ru-RU" dirty="0"/>
+              <a:t>. </a:t>
+            </a:r>
+            <a:r>
+              <a:rPr lang="en-US" dirty="0"/>
+              <a:t>GPS </a:t>
+            </a:r>
+            <a:r>
+              <a:rPr lang="uk-UA" dirty="0"/>
+              <a:t> в основному використовується для визначення місцезнаходження. Для отримання координат, пристрій за допомогою вбудованого </a:t>
+            </a:r>
+            <a:r>
+              <a:rPr lang="en-US" dirty="0"/>
+              <a:t>GPS-</a:t>
+            </a:r>
+            <a:r>
+              <a:rPr lang="uk-UA" dirty="0"/>
+              <a:t>приймача отримує інформацію приймаючи сигнали від супутників.</a:t>
+            </a:r>
           </a:p>
         </p:txBody>
       </p:sp>
     </p:spTree>
     <p:extLst>
       <p:ext uri="{BB962C8B-B14F-4D97-AF65-F5344CB8AC3E}">
-        <p14:creationId xmlns:p14="http://schemas.microsoft.com/office/powerpoint/2010/main" val="3819054204"/>
+        <p14:creationId xmlns:p14="http://schemas.microsoft.com/office/powerpoint/2010/main" val="2247720062"/>
       </p:ext>
     </p:extLst>
   </p:cSld>
@@ -4230,7 +4381,59 @@
           <a:bodyPr/>
           <a:lstStyle/>
           <a:p>
-            <a:endParaRPr lang="uk-UA"/>
+            <a:r>
+              <a:rPr lang="uk-UA" dirty="0"/>
+              <a:t>Вирішив детальніше прочитати про </a:t>
+            </a:r>
+            <a:r>
+              <a:rPr lang="en-US" dirty="0"/>
+              <a:t>GPS-</a:t>
+            </a:r>
+            <a:r>
+              <a:rPr lang="uk-UA" dirty="0"/>
+              <a:t>приймач. Дізнався, що </a:t>
+            </a:r>
+            <a:r>
+              <a:rPr lang="en-US" dirty="0"/>
+              <a:t>GPS-</a:t>
+            </a:r>
+            <a:r>
+              <a:rPr lang="uk-UA" dirty="0"/>
+              <a:t>приймач отримує дані від супутників та може передавати їх за комбінованим стандартом </a:t>
+            </a:r>
+            <a:r>
+              <a:rPr lang="en-US" dirty="0"/>
+              <a:t>NMEA 0183. </a:t>
+            </a:r>
+            <a:r>
+              <a:rPr lang="uk-UA" dirty="0"/>
+              <a:t>Приймач за стандартом </a:t>
+            </a:r>
+            <a:r>
+              <a:rPr lang="en-US" dirty="0"/>
+              <a:t>NMEA </a:t>
+            </a:r>
+            <a:r>
+              <a:rPr lang="uk-UA" dirty="0"/>
+              <a:t>разом із географічними координатами передає точний час.</a:t>
+            </a:r>
+            <a:r>
+              <a:rPr lang="en-US" dirty="0"/>
+              <a:t> </a:t>
+            </a:r>
+            <a:r>
+              <a:rPr lang="uk-UA" dirty="0"/>
+              <a:t>Тоді визначився, що буду використовувати </a:t>
+            </a:r>
+            <a:r>
+              <a:rPr lang="en-US" dirty="0"/>
+              <a:t>GPS-</a:t>
+            </a:r>
+            <a:r>
+              <a:rPr lang="uk-UA" dirty="0"/>
+              <a:t>приймач для синхронізації часу.</a:t>
+            </a:r>
+            <a:endParaRPr lang="en-US" dirty="0"/>
           </a:p>
         </p:txBody>
       </p:sp>
@@ -4313,7 +4516,18 @@
           <a:bodyPr/>
           <a:lstStyle/>
           <a:p>
-            <a:endParaRPr lang="uk-UA"/>
+            <a:r>
+              <a:rPr lang="uk-UA" dirty="0"/>
+              <a:t>Розглядав поверхнево інформацію про комбінований стандарт </a:t>
+            </a:r>
+            <a:r>
+              <a:rPr lang="en-US" dirty="0"/>
+              <a:t>NMEA</a:t>
+            </a:r>
+            <a:r>
+              <a:rPr lang="uk-UA" dirty="0"/>
+              <a:t>. Дивився, у якому вигляді подана інформація за цим стандартом. Але не було потреби вивчати деталі для реалізації дипломної роботи.</a:t>
+            </a:r>
           </a:p>
         </p:txBody>
       </p:sp>
@@ -4368,32 +4582,168 @@
           <a:bodyPr/>
           <a:lstStyle/>
           <a:p>
+            <a:r>
+              <a:rPr lang="uk-UA" dirty="0"/>
+              <a:t>План роботи</a:t>
+            </a:r>
+          </a:p>
+        </p:txBody>
+      </p:sp>
+      <p:sp>
+        <p:nvSpPr>
+          <p:cNvPr id="3" name="Місце для вмісту 2">
+            <a:extLst>
+              <a:ext uri="{FF2B5EF4-FFF2-40B4-BE49-F238E27FC236}">
+                <a16:creationId xmlns:a16="http://schemas.microsoft.com/office/drawing/2014/main" id="{1D60D184-CE47-447C-A60E-C789318841F9}"/>
+              </a:ext>
+            </a:extLst>
+          </p:cNvPr>
+          <p:cNvSpPr>
+            <a:spLocks noGrp="1"/>
+          </p:cNvSpPr>
+          <p:nvPr>
+            <p:ph idx="1"/>
+          </p:nvPr>
+        </p:nvSpPr>
+        <p:spPr/>
+        <p:txBody>
+          <a:bodyPr/>
+          <a:lstStyle/>
+          <a:p>
+            <a:pPr marL="0" indent="0">
+              <a:buNone/>
+            </a:pPr>
+            <a:r>
+              <a:rPr lang="uk-UA" dirty="0"/>
+              <a:t>Вирішив відтворити роботу цифрового годинника на основі плати </a:t>
+            </a:r>
+            <a:r>
+              <a:rPr lang="en-US" dirty="0"/>
+              <a:t>Arduino Uno </a:t>
+            </a:r>
+            <a:r>
+              <a:rPr lang="uk-UA" dirty="0"/>
+              <a:t>у програмному середовищі. До плати буде підключений</a:t>
+            </a:r>
+            <a:r>
+              <a:rPr lang="en-US" dirty="0"/>
+              <a:t> GPS-</a:t>
+            </a:r>
+            <a:r>
+              <a:rPr lang="uk-UA" dirty="0"/>
+              <a:t>приймач для передачі інформації за стандартом </a:t>
+            </a:r>
+            <a:r>
+              <a:rPr lang="en-US" dirty="0"/>
+              <a:t>NMEA. </a:t>
+            </a:r>
+            <a:r>
+              <a:rPr lang="ru-RU" dirty="0"/>
+              <a:t>Плата буде за </a:t>
+            </a:r>
+            <a:r>
+              <a:rPr lang="ru-RU" dirty="0" err="1"/>
+              <a:t>допомогою</a:t>
+            </a:r>
+            <a:r>
+              <a:rPr lang="ru-RU" dirty="0"/>
+              <a:t> </a:t>
+            </a:r>
+            <a:r>
+              <a:rPr lang="ru-RU" dirty="0" err="1"/>
+              <a:t>запрограмованої</a:t>
+            </a:r>
+            <a:r>
+              <a:rPr lang="ru-RU" dirty="0"/>
+              <a:t> </a:t>
+            </a:r>
+            <a:r>
+              <a:rPr lang="ru-RU" dirty="0" err="1"/>
+              <a:t>логіки</a:t>
+            </a:r>
+            <a:r>
+              <a:rPr lang="ru-RU" dirty="0"/>
+              <a:t> </a:t>
+            </a:r>
+            <a:r>
+              <a:rPr lang="ru-RU" dirty="0" err="1"/>
+              <a:t>оримувати</a:t>
+            </a:r>
+            <a:r>
+              <a:rPr lang="ru-RU" dirty="0"/>
+              <a:t> </a:t>
+            </a:r>
+            <a:r>
+              <a:rPr lang="ru-RU" dirty="0" err="1"/>
+              <a:t>інформацію</a:t>
+            </a:r>
+            <a:r>
+              <a:rPr lang="ru-RU" dirty="0"/>
+              <a:t> про час та </a:t>
+            </a:r>
+            <a:r>
+              <a:rPr lang="ru-RU" dirty="0" err="1"/>
+              <a:t>подавати</a:t>
+            </a:r>
+            <a:r>
+              <a:rPr lang="ru-RU" dirty="0"/>
+              <a:t> </a:t>
+            </a:r>
+            <a:r>
+              <a:rPr lang="ru-RU" dirty="0" err="1"/>
+              <a:t>її</a:t>
+            </a:r>
+            <a:r>
+              <a:rPr lang="ru-RU" dirty="0"/>
+              <a:t> у </a:t>
+            </a:r>
+            <a:r>
+              <a:rPr lang="ru-RU" dirty="0" err="1"/>
+              <a:t>зручному</a:t>
+            </a:r>
+            <a:r>
+              <a:rPr lang="ru-RU" dirty="0"/>
+              <a:t> </a:t>
+            </a:r>
+            <a:r>
+              <a:rPr lang="ru-RU" dirty="0" err="1"/>
+              <a:t>вигляді</a:t>
+            </a:r>
+            <a:r>
+              <a:rPr lang="ru-RU" dirty="0"/>
+              <a:t> для </a:t>
+            </a:r>
+            <a:r>
+              <a:rPr lang="ru-RU" dirty="0" err="1"/>
+              <a:t>спостерігача</a:t>
+            </a:r>
+            <a:r>
+              <a:rPr lang="ru-RU" dirty="0"/>
+              <a:t> на </a:t>
+            </a:r>
+            <a:r>
+              <a:rPr lang="ru-RU" dirty="0" err="1"/>
+              <a:t>пристрій</a:t>
+            </a:r>
+            <a:r>
+              <a:rPr lang="ru-RU" dirty="0"/>
+              <a:t> </a:t>
+            </a:r>
+            <a:r>
+              <a:rPr lang="ru-RU" dirty="0" err="1"/>
+              <a:t>індикації</a:t>
+            </a:r>
+            <a:r>
+              <a:rPr lang="ru-RU" dirty="0"/>
+              <a:t>.</a:t>
+            </a:r>
             <a:endParaRPr lang="uk-UA" dirty="0"/>
           </a:p>
-        </p:txBody>
-      </p:sp>
-      <p:sp>
-        <p:nvSpPr>
-          <p:cNvPr id="3" name="Місце для вмісту 2">
-            <a:extLst>
-              <a:ext uri="{FF2B5EF4-FFF2-40B4-BE49-F238E27FC236}">
-                <a16:creationId xmlns:a16="http://schemas.microsoft.com/office/drawing/2014/main" id="{1D60D184-CE47-447C-A60E-C789318841F9}"/>
-              </a:ext>
-            </a:extLst>
-          </p:cNvPr>
-          <p:cNvSpPr>
-            <a:spLocks noGrp="1"/>
-          </p:cNvSpPr>
-          <p:nvPr>
-            <p:ph idx="1"/>
-          </p:nvPr>
-        </p:nvSpPr>
-        <p:spPr/>
-        <p:txBody>
-          <a:bodyPr/>
-          <a:lstStyle/>
-          <a:p>
-            <a:endParaRPr lang="uk-UA"/>
+          <a:p>
+            <a:pPr marL="0" indent="0">
+              <a:buNone/>
+            </a:pPr>
+            <a:endParaRPr lang="uk-UA" dirty="0"/>
           </a:p>
         </p:txBody>
       </p:sp>

--- a/Доповідь 2.pptx
+++ b/Доповідь 2.pptx
@@ -16,7 +16,11 @@
     <p:sldId id="264" r:id="rId10"/>
     <p:sldId id="265" r:id="rId11"/>
     <p:sldId id="266" r:id="rId12"/>
-    <p:sldId id="258" r:id="rId13"/>
+    <p:sldId id="269" r:id="rId13"/>
+    <p:sldId id="270" r:id="rId14"/>
+    <p:sldId id="271" r:id="rId15"/>
+    <p:sldId id="272" r:id="rId16"/>
+    <p:sldId id="273" r:id="rId17"/>
   </p:sldIdLst>
   <p:sldSz cx="12192000" cy="6858000"/>
   <p:notesSz cx="6858000" cy="9144000"/>
@@ -270,7 +274,7 @@
           <a:p>
             <a:fld id="{A5E37292-1CAA-46A9-BE71-0DD74F5FD393}" type="datetimeFigureOut">
               <a:rPr lang="uk-UA" smtClean="0"/>
-              <a:t>04.12.2023</a:t>
+              <a:t>06.12.2023</a:t>
             </a:fld>
             <a:endParaRPr lang="uk-UA"/>
           </a:p>
@@ -468,7 +472,7 @@
           <a:p>
             <a:fld id="{A5E37292-1CAA-46A9-BE71-0DD74F5FD393}" type="datetimeFigureOut">
               <a:rPr lang="uk-UA" smtClean="0"/>
-              <a:t>04.12.2023</a:t>
+              <a:t>06.12.2023</a:t>
             </a:fld>
             <a:endParaRPr lang="uk-UA"/>
           </a:p>
@@ -676,7 +680,7 @@
           <a:p>
             <a:fld id="{A5E37292-1CAA-46A9-BE71-0DD74F5FD393}" type="datetimeFigureOut">
               <a:rPr lang="uk-UA" smtClean="0"/>
-              <a:t>04.12.2023</a:t>
+              <a:t>06.12.2023</a:t>
             </a:fld>
             <a:endParaRPr lang="uk-UA"/>
           </a:p>
@@ -874,7 +878,7 @@
           <a:p>
             <a:fld id="{A5E37292-1CAA-46A9-BE71-0DD74F5FD393}" type="datetimeFigureOut">
               <a:rPr lang="uk-UA" smtClean="0"/>
-              <a:t>04.12.2023</a:t>
+              <a:t>06.12.2023</a:t>
             </a:fld>
             <a:endParaRPr lang="uk-UA"/>
           </a:p>
@@ -1149,7 +1153,7 @@
           <a:p>
             <a:fld id="{A5E37292-1CAA-46A9-BE71-0DD74F5FD393}" type="datetimeFigureOut">
               <a:rPr lang="uk-UA" smtClean="0"/>
-              <a:t>04.12.2023</a:t>
+              <a:t>06.12.2023</a:t>
             </a:fld>
             <a:endParaRPr lang="uk-UA"/>
           </a:p>
@@ -1414,7 +1418,7 @@
           <a:p>
             <a:fld id="{A5E37292-1CAA-46A9-BE71-0DD74F5FD393}" type="datetimeFigureOut">
               <a:rPr lang="uk-UA" smtClean="0"/>
-              <a:t>04.12.2023</a:t>
+              <a:t>06.12.2023</a:t>
             </a:fld>
             <a:endParaRPr lang="uk-UA"/>
           </a:p>
@@ -1826,7 +1830,7 @@
           <a:p>
             <a:fld id="{A5E37292-1CAA-46A9-BE71-0DD74F5FD393}" type="datetimeFigureOut">
               <a:rPr lang="uk-UA" smtClean="0"/>
-              <a:t>04.12.2023</a:t>
+              <a:t>06.12.2023</a:t>
             </a:fld>
             <a:endParaRPr lang="uk-UA"/>
           </a:p>
@@ -1967,7 +1971,7 @@
           <a:p>
             <a:fld id="{A5E37292-1CAA-46A9-BE71-0DD74F5FD393}" type="datetimeFigureOut">
               <a:rPr lang="uk-UA" smtClean="0"/>
-              <a:t>04.12.2023</a:t>
+              <a:t>06.12.2023</a:t>
             </a:fld>
             <a:endParaRPr lang="uk-UA"/>
           </a:p>
@@ -2080,7 +2084,7 @@
           <a:p>
             <a:fld id="{A5E37292-1CAA-46A9-BE71-0DD74F5FD393}" type="datetimeFigureOut">
               <a:rPr lang="uk-UA" smtClean="0"/>
-              <a:t>04.12.2023</a:t>
+              <a:t>06.12.2023</a:t>
             </a:fld>
             <a:endParaRPr lang="uk-UA"/>
           </a:p>
@@ -2391,7 +2395,7 @@
           <a:p>
             <a:fld id="{A5E37292-1CAA-46A9-BE71-0DD74F5FD393}" type="datetimeFigureOut">
               <a:rPr lang="uk-UA" smtClean="0"/>
-              <a:t>04.12.2023</a:t>
+              <a:t>06.12.2023</a:t>
             </a:fld>
             <a:endParaRPr lang="uk-UA"/>
           </a:p>
@@ -2679,7 +2683,7 @@
           <a:p>
             <a:fld id="{A5E37292-1CAA-46A9-BE71-0DD74F5FD393}" type="datetimeFigureOut">
               <a:rPr lang="uk-UA" smtClean="0"/>
-              <a:t>04.12.2023</a:t>
+              <a:t>06.12.2023</a:t>
             </a:fld>
             <a:endParaRPr lang="uk-UA"/>
           </a:p>
@@ -2920,7 +2924,7 @@
           <a:p>
             <a:fld id="{A5E37292-1CAA-46A9-BE71-0DD74F5FD393}" type="datetimeFigureOut">
               <a:rPr lang="uk-UA" smtClean="0"/>
-              <a:t>04.12.2023</a:t>
+              <a:t>06.12.2023</a:t>
             </a:fld>
             <a:endParaRPr lang="uk-UA"/>
           </a:p>
@@ -3476,11 +3480,19 @@
           <a:p>
             <a:r>
               <a:rPr lang="uk-UA" dirty="0"/>
-              <a:t>Після готового плану роботи займався вибором програмного середовища. Дивився електронні ресурси для того щоб вибрати те програмне середовище, у якому буде можливість реалізувати роботу годинника із синхронізацією часу за готовим планом. Вибрав </a:t>
+              <a:t>Після готового плану роботи займався вибором програмного середовища. Дивився електронні ресурси для того</a:t>
+            </a:r>
+            <a:r>
+              <a:rPr lang="en-US" dirty="0"/>
+              <a:t>,</a:t>
+            </a:r>
+            <a:r>
+              <a:rPr lang="uk-UA" dirty="0"/>
+              <a:t> щоб вибрати те програмне середовище, у якому буде можливість реалізувати роботу годинника із синхронізацією часу за готовим планом. Вибрав </a:t>
             </a:r>
             <a:r>
               <a:rPr lang="ru-RU" dirty="0"/>
-              <a:t> пакет </a:t>
+              <a:t>пакет </a:t>
             </a:r>
             <a:r>
               <a:rPr lang="ru-RU" dirty="0" err="1"/>
@@ -3515,7 +3527,7 @@
               <a:t> схем </a:t>
             </a:r>
             <a:r>
-              <a:rPr lang="en-US"/>
+              <a:rPr lang="en-US" dirty="0"/>
               <a:t>Proteus Design.</a:t>
             </a:r>
             <a:endParaRPr lang="uk-UA" dirty="0"/>
@@ -3573,7 +3585,27 @@
           <a:bodyPr/>
           <a:lstStyle/>
           <a:p>
-            <a:endParaRPr lang="uk-UA"/>
+            <a:r>
+              <a:rPr lang="ru-RU" dirty="0" err="1"/>
+              <a:t>Мова</a:t>
+            </a:r>
+            <a:r>
+              <a:rPr lang="ru-RU" dirty="0"/>
+              <a:t> </a:t>
+            </a:r>
+            <a:r>
+              <a:rPr lang="ru-RU" dirty="0" err="1"/>
+              <a:t>програмування</a:t>
+            </a:r>
+            <a:r>
+              <a:rPr lang="ru-RU" dirty="0"/>
+              <a:t> та б</a:t>
+            </a:r>
+            <a:r>
+              <a:rPr lang="uk-UA" dirty="0" err="1"/>
+              <a:t>ібліотеки</a:t>
+            </a:r>
+            <a:endParaRPr lang="uk-UA" dirty="0"/>
           </a:p>
         </p:txBody>
       </p:sp>
@@ -3598,7 +3630,81 @@
           <a:bodyPr/>
           <a:lstStyle/>
           <a:p>
-            <a:endParaRPr lang="uk-UA"/>
+            <a:r>
+              <a:rPr lang="uk-UA" dirty="0"/>
+              <a:t>Після вибору програмного забезпечення, шукав способи застосування </a:t>
+            </a:r>
+            <a:r>
+              <a:rPr lang="en-US" dirty="0"/>
+              <a:t>Arduino Uno, GPS-</a:t>
+            </a:r>
+            <a:r>
+              <a:rPr lang="uk-UA" dirty="0"/>
+              <a:t>приймача та пристрою індикації.</a:t>
+            </a:r>
+          </a:p>
+          <a:p>
+            <a:r>
+              <a:rPr lang="uk-UA" dirty="0"/>
+              <a:t>Більш детально узнав про спосіб застосування </a:t>
+            </a:r>
+            <a:r>
+              <a:rPr lang="en-US" dirty="0"/>
+              <a:t>Arduino Uno. </a:t>
+            </a:r>
+            <a:endParaRPr lang="uk-UA" dirty="0"/>
+          </a:p>
+          <a:p>
+            <a:r>
+              <a:rPr lang="en-US" dirty="0"/>
+              <a:t>Arduino Uno </a:t>
+            </a:r>
+            <a:r>
+              <a:rPr lang="uk-UA" dirty="0"/>
+              <a:t>мав змогу використовувати після того, як з електронного ресурсу завантажив додаткову бібліотеку для </a:t>
+            </a:r>
+            <a:r>
+              <a:rPr lang="en-US" dirty="0"/>
+              <a:t>Proteus.</a:t>
+            </a:r>
+          </a:p>
+          <a:p>
+            <a:r>
+              <a:rPr lang="uk-UA" dirty="0"/>
+              <a:t>Завантажив </a:t>
+            </a:r>
+            <a:r>
+              <a:rPr lang="en-US" dirty="0" err="1"/>
+              <a:t>Ardu</a:t>
+            </a:r>
+            <a:r>
+              <a:rPr lang="uk-UA" dirty="0"/>
+              <a:t>і</a:t>
+            </a:r>
+            <a:r>
+              <a:rPr lang="en-US" dirty="0"/>
+              <a:t>no IDE </a:t>
+            </a:r>
+            <a:r>
+              <a:rPr lang="uk-UA" dirty="0"/>
+              <a:t>та розглянув посібник з мови програмування </a:t>
+            </a:r>
+            <a:r>
+              <a:rPr lang="en-US" dirty="0"/>
+              <a:t>C++ </a:t>
+            </a:r>
+            <a:r>
+              <a:rPr lang="uk-UA" dirty="0"/>
+              <a:t>для роботи на </a:t>
+            </a:r>
+            <a:r>
+              <a:rPr lang="en-US" dirty="0"/>
+              <a:t>Arduino Uno.</a:t>
+            </a:r>
+            <a:endParaRPr lang="uk-UA" dirty="0"/>
+          </a:p>
+          <a:p>
+            <a:endParaRPr lang="uk-UA" dirty="0"/>
           </a:p>
         </p:txBody>
       </p:sp>
@@ -3637,7 +3743,7 @@
           <p:cNvPr id="2" name="Заголовок 1">
             <a:extLst>
               <a:ext uri="{FF2B5EF4-FFF2-40B4-BE49-F238E27FC236}">
-                <a16:creationId xmlns:a16="http://schemas.microsoft.com/office/drawing/2014/main" id="{DC69E27F-021F-4FE8-ADF8-00165A0AFDC7}"/>
+                <a16:creationId xmlns:a16="http://schemas.microsoft.com/office/drawing/2014/main" id="{34BF5D76-F38A-4E62-89ED-106122750706}"/>
               </a:ext>
             </a:extLst>
           </p:cNvPr>
@@ -3655,7 +3761,7 @@
           <a:p>
             <a:r>
               <a:rPr lang="uk-UA" dirty="0"/>
-              <a:t>Результат дипломної роботи</a:t>
+              <a:t>Мова програмування та бібліотеки</a:t>
             </a:r>
           </a:p>
         </p:txBody>
@@ -3665,7 +3771,7 @@
           <p:cNvPr id="3" name="Місце для вмісту 2">
             <a:extLst>
               <a:ext uri="{FF2B5EF4-FFF2-40B4-BE49-F238E27FC236}">
-                <a16:creationId xmlns:a16="http://schemas.microsoft.com/office/drawing/2014/main" id="{E4F9505F-9CE6-4482-A57E-273CA53EC743}"/>
+                <a16:creationId xmlns:a16="http://schemas.microsoft.com/office/drawing/2014/main" id="{61BC4C8C-7AAD-4782-BE1C-87058D35859D}"/>
               </a:ext>
             </a:extLst>
           </p:cNvPr>
@@ -3681,25 +3787,12 @@
           <a:bodyPr/>
           <a:lstStyle/>
           <a:p>
-            <a:r>
-              <a:rPr lang="uk-UA" dirty="0"/>
-              <a:t>В результаті роботи був спроектований годинник  за допомогою пакету програм автоматизованого проектування </a:t>
-            </a:r>
-            <a:r>
-              <a:rPr lang="en-US" dirty="0"/>
-              <a:t>Proteus. </a:t>
-            </a:r>
-            <a:r>
-              <a:rPr lang="uk-UA" dirty="0"/>
-              <a:t>Годинник спроектований на основі плати </a:t>
-            </a:r>
-            <a:r>
-              <a:rPr lang="en-US" dirty="0"/>
-              <a:t>Arduino Uno. </a:t>
-            </a:r>
-            <a:r>
-              <a:rPr lang="uk-UA" dirty="0"/>
-              <a:t>До плати підключені </a:t>
+            <a:pPr marL="0" indent="0">
+              <a:buNone/>
+            </a:pPr>
+            <a:r>
+              <a:rPr lang="uk-UA" dirty="0"/>
+              <a:t>Подивися схему підключення </a:t>
             </a:r>
             <a:r>
               <a:rPr lang="en-US" dirty="0"/>
@@ -3707,15 +3800,716 @@
             </a:r>
             <a:r>
               <a:rPr lang="uk-UA" dirty="0"/>
-              <a:t>приймач і рідкокристалічний дисплей, який показує час у даному випадку.</a:t>
-            </a:r>
+              <a:t>приймача до </a:t>
+            </a:r>
+            <a:r>
+              <a:rPr lang="en-US" dirty="0"/>
+              <a:t>Arduino Uno </a:t>
+            </a:r>
+            <a:r>
+              <a:rPr lang="uk-UA" dirty="0"/>
+              <a:t>у </a:t>
+            </a:r>
+            <a:r>
+              <a:rPr lang="en-US" dirty="0"/>
+              <a:t>Proteus.</a:t>
+            </a:r>
+          </a:p>
+          <a:p>
+            <a:pPr marL="0" indent="0">
+              <a:buNone/>
+            </a:pPr>
+            <a:r>
+              <a:rPr lang="uk-UA" dirty="0"/>
+              <a:t>Для відтворення часу вибрав рідкокристалічний дисплей </a:t>
+            </a:r>
+            <a:r>
+              <a:rPr lang="en-US" dirty="0"/>
+              <a:t>LCD –</a:t>
+            </a:r>
+            <a:r>
+              <a:rPr lang="uk-UA" dirty="0"/>
+              <a:t> пристрій індикації.</a:t>
+            </a:r>
+          </a:p>
+          <a:p>
+            <a:pPr marL="0" indent="0">
+              <a:buNone/>
+            </a:pPr>
+            <a:r>
+              <a:rPr lang="uk-UA" dirty="0"/>
+              <a:t>Глянув спосіб підключення </a:t>
+            </a:r>
+            <a:r>
+              <a:rPr lang="en-US" dirty="0"/>
+              <a:t>LCD </a:t>
+            </a:r>
+            <a:r>
+              <a:rPr lang="uk-UA" dirty="0"/>
+              <a:t>до </a:t>
+            </a:r>
+            <a:r>
+              <a:rPr lang="en-US" dirty="0"/>
+              <a:t>Arduino Uno</a:t>
+            </a:r>
+            <a:r>
+              <a:rPr lang="uk-UA" dirty="0"/>
+              <a:t>. Прототип</a:t>
+            </a:r>
+            <a:r>
+              <a:rPr lang="en-US" dirty="0"/>
+              <a:t> LCD</a:t>
+            </a:r>
+            <a:r>
+              <a:rPr lang="uk-UA" dirty="0"/>
+              <a:t> є у </a:t>
+            </a:r>
+            <a:r>
+              <a:rPr lang="en-US" dirty="0"/>
+              <a:t>Proteus</a:t>
+            </a:r>
+            <a:r>
+              <a:rPr lang="uk-UA" dirty="0"/>
+              <a:t>, тому додаткові бібліотеки скачувати не потрібно.</a:t>
+            </a:r>
+            <a:endParaRPr lang="en-US" dirty="0"/>
+          </a:p>
+          <a:p>
+            <a:pPr marL="0" indent="0">
+              <a:buNone/>
+            </a:pPr>
+            <a:endParaRPr lang="en-US" dirty="0"/>
+          </a:p>
+          <a:p>
+            <a:pPr marL="0" indent="0">
+              <a:buNone/>
+            </a:pPr>
+            <a:endParaRPr lang="en-US" dirty="0"/>
+          </a:p>
+          <a:p>
+            <a:pPr marL="0" indent="0">
+              <a:buNone/>
+            </a:pPr>
+            <a:r>
+              <a:rPr lang="en-US" dirty="0"/>
+              <a:t>	</a:t>
+            </a:r>
+          </a:p>
+          <a:p>
+            <a:endParaRPr lang="uk-UA" dirty="0"/>
           </a:p>
         </p:txBody>
       </p:sp>
     </p:spTree>
     <p:extLst>
       <p:ext uri="{BB962C8B-B14F-4D97-AF65-F5344CB8AC3E}">
-        <p14:creationId xmlns:p14="http://schemas.microsoft.com/office/powerpoint/2010/main" val="2174911420"/>
+        <p14:creationId xmlns:p14="http://schemas.microsoft.com/office/powerpoint/2010/main" val="1185161256"/>
+      </p:ext>
+    </p:extLst>
+  </p:cSld>
+  <p:clrMapOvr>
+    <a:masterClrMapping/>
+  </p:clrMapOvr>
+</p:sld>
+</file>
+
+<file path=ppt/slides/slide13.xml><?xml version="1.0" encoding="utf-8"?>
+<p:sld xmlns:a="http://schemas.openxmlformats.org/drawingml/2006/main" xmlns:r="http://schemas.openxmlformats.org/officeDocument/2006/relationships" xmlns:p="http://schemas.openxmlformats.org/presentationml/2006/main">
+  <p:cSld>
+    <p:spTree>
+      <p:nvGrpSpPr>
+        <p:cNvPr id="1" name=""/>
+        <p:cNvGrpSpPr/>
+        <p:nvPr/>
+      </p:nvGrpSpPr>
+      <p:grpSpPr>
+        <a:xfrm>
+          <a:off x="0" y="0"/>
+          <a:ext cx="0" cy="0"/>
+          <a:chOff x="0" y="0"/>
+          <a:chExt cx="0" cy="0"/>
+        </a:xfrm>
+      </p:grpSpPr>
+      <p:sp>
+        <p:nvSpPr>
+          <p:cNvPr id="2" name="Заголовок 1">
+            <a:extLst>
+              <a:ext uri="{FF2B5EF4-FFF2-40B4-BE49-F238E27FC236}">
+                <a16:creationId xmlns:a16="http://schemas.microsoft.com/office/drawing/2014/main" id="{27C03607-AC46-4FD2-B58A-B360DCFEE270}"/>
+              </a:ext>
+            </a:extLst>
+          </p:cNvPr>
+          <p:cNvSpPr>
+            <a:spLocks noGrp="1"/>
+          </p:cNvSpPr>
+          <p:nvPr>
+            <p:ph type="title"/>
+          </p:nvPr>
+        </p:nvSpPr>
+        <p:spPr/>
+        <p:txBody>
+          <a:bodyPr/>
+          <a:lstStyle/>
+          <a:p>
+            <a:r>
+              <a:rPr lang="uk-UA" dirty="0"/>
+              <a:t>Мова програмування та бібліотеки</a:t>
+            </a:r>
+          </a:p>
+        </p:txBody>
+      </p:sp>
+      <p:sp>
+        <p:nvSpPr>
+          <p:cNvPr id="3" name="Місце для вмісту 2">
+            <a:extLst>
+              <a:ext uri="{FF2B5EF4-FFF2-40B4-BE49-F238E27FC236}">
+                <a16:creationId xmlns:a16="http://schemas.microsoft.com/office/drawing/2014/main" id="{6CA07E6E-F0B7-4BFA-B7AF-0E856CBB3D03}"/>
+              </a:ext>
+            </a:extLst>
+          </p:cNvPr>
+          <p:cNvSpPr>
+            <a:spLocks noGrp="1"/>
+          </p:cNvSpPr>
+          <p:nvPr>
+            <p:ph idx="1"/>
+          </p:nvPr>
+        </p:nvSpPr>
+        <p:spPr/>
+        <p:txBody>
+          <a:bodyPr/>
+          <a:lstStyle/>
+          <a:p>
+            <a:r>
+              <a:rPr lang="uk-UA" dirty="0"/>
+              <a:t>Тепер був зроблений прототип схеми підключення годинника із </a:t>
+            </a:r>
+            <a:r>
+              <a:rPr lang="en-US" dirty="0"/>
+              <a:t>GPS-</a:t>
+            </a:r>
+            <a:r>
+              <a:rPr lang="uk-UA" dirty="0"/>
+              <a:t>синхронізацією у </a:t>
+            </a:r>
+            <a:r>
+              <a:rPr lang="en-US" dirty="0"/>
+              <a:t>Proteus.</a:t>
+            </a:r>
+          </a:p>
+          <a:p>
+            <a:r>
+              <a:rPr lang="uk-UA" dirty="0"/>
+              <a:t>Для взаємодії </a:t>
+            </a:r>
+            <a:r>
+              <a:rPr lang="en-US" dirty="0"/>
+              <a:t>Arduino Uno </a:t>
+            </a:r>
+            <a:r>
+              <a:rPr lang="uk-UA" dirty="0"/>
+              <a:t>з </a:t>
+            </a:r>
+            <a:r>
+              <a:rPr lang="en-US" dirty="0"/>
+              <a:t>GPS-</a:t>
+            </a:r>
+            <a:r>
+              <a:rPr lang="uk-UA" dirty="0"/>
+              <a:t>приймачем та </a:t>
+            </a:r>
+            <a:r>
+              <a:rPr lang="en-US" dirty="0"/>
+              <a:t>LCD</a:t>
+            </a:r>
+            <a:r>
+              <a:rPr lang="uk-UA" dirty="0"/>
+              <a:t> в електронних ресурсах знайшов і завантажив бібліотеки </a:t>
+            </a:r>
+            <a:r>
+              <a:rPr lang="en-US" dirty="0" err="1"/>
+              <a:t>TinyGPS</a:t>
+            </a:r>
+            <a:r>
+              <a:rPr lang="en-US" dirty="0"/>
+              <a:t> </a:t>
+            </a:r>
+            <a:r>
+              <a:rPr lang="uk-UA" dirty="0"/>
+              <a:t>і </a:t>
+            </a:r>
+            <a:r>
+              <a:rPr lang="en-US" dirty="0" err="1"/>
+              <a:t>LiquidCrystal</a:t>
+            </a:r>
+            <a:r>
+              <a:rPr lang="en-US" dirty="0"/>
+              <a:t> </a:t>
+            </a:r>
+            <a:r>
+              <a:rPr lang="uk-UA" dirty="0"/>
+              <a:t>на </a:t>
+            </a:r>
+            <a:r>
+              <a:rPr lang="en-US" dirty="0"/>
+              <a:t>Arduino IDE</a:t>
+            </a:r>
+            <a:r>
+              <a:rPr lang="uk-UA" dirty="0"/>
+              <a:t> для спрощення реалізації програмної логіки на </a:t>
+            </a:r>
+            <a:r>
+              <a:rPr lang="en-US" dirty="0"/>
+              <a:t>C++.</a:t>
+            </a:r>
+            <a:endParaRPr lang="uk-UA" dirty="0"/>
+          </a:p>
+          <a:p>
+            <a:r>
+              <a:rPr lang="uk-UA" dirty="0"/>
+              <a:t>Зробив готову схему підключення працездатною.</a:t>
+            </a:r>
+            <a:r>
+              <a:rPr lang="en-US" dirty="0"/>
+              <a:t> </a:t>
+            </a:r>
+            <a:r>
+              <a:rPr lang="uk-UA" dirty="0"/>
+              <a:t>Тепер вона виконує роботу годинника із </a:t>
+            </a:r>
+            <a:r>
+              <a:rPr lang="en-US" dirty="0"/>
+              <a:t>GPS-</a:t>
+            </a:r>
+            <a:r>
+              <a:rPr lang="uk-UA" dirty="0"/>
+              <a:t>синхронізацією</a:t>
+            </a:r>
+            <a:endParaRPr lang="en-US" dirty="0"/>
+          </a:p>
+          <a:p>
+            <a:endParaRPr lang="uk-UA" dirty="0"/>
+          </a:p>
+        </p:txBody>
+      </p:sp>
+    </p:spTree>
+    <p:extLst>
+      <p:ext uri="{BB962C8B-B14F-4D97-AF65-F5344CB8AC3E}">
+        <p14:creationId xmlns:p14="http://schemas.microsoft.com/office/powerpoint/2010/main" val="931618475"/>
+      </p:ext>
+    </p:extLst>
+  </p:cSld>
+  <p:clrMapOvr>
+    <a:masterClrMapping/>
+  </p:clrMapOvr>
+</p:sld>
+</file>
+
+<file path=ppt/slides/slide14.xml><?xml version="1.0" encoding="utf-8"?>
+<p:sld xmlns:a="http://schemas.openxmlformats.org/drawingml/2006/main" xmlns:r="http://schemas.openxmlformats.org/officeDocument/2006/relationships" xmlns:p="http://schemas.openxmlformats.org/presentationml/2006/main">
+  <p:cSld>
+    <p:spTree>
+      <p:nvGrpSpPr>
+        <p:cNvPr id="1" name=""/>
+        <p:cNvGrpSpPr/>
+        <p:nvPr/>
+      </p:nvGrpSpPr>
+      <p:grpSpPr>
+        <a:xfrm>
+          <a:off x="0" y="0"/>
+          <a:ext cx="0" cy="0"/>
+          <a:chOff x="0" y="0"/>
+          <a:chExt cx="0" cy="0"/>
+        </a:xfrm>
+      </p:grpSpPr>
+      <p:sp>
+        <p:nvSpPr>
+          <p:cNvPr id="2" name="Заголовок 1">
+            <a:extLst>
+              <a:ext uri="{FF2B5EF4-FFF2-40B4-BE49-F238E27FC236}">
+                <a16:creationId xmlns:a16="http://schemas.microsoft.com/office/drawing/2014/main" id="{D4480C21-206F-464F-BE18-B59B556BE075}"/>
+              </a:ext>
+            </a:extLst>
+          </p:cNvPr>
+          <p:cNvSpPr>
+            <a:spLocks noGrp="1"/>
+          </p:cNvSpPr>
+          <p:nvPr>
+            <p:ph type="title"/>
+          </p:nvPr>
+        </p:nvSpPr>
+        <p:spPr/>
+        <p:txBody>
+          <a:bodyPr/>
+          <a:lstStyle/>
+          <a:p>
+            <a:r>
+              <a:rPr lang="uk-UA" dirty="0"/>
+              <a:t>Найкорисніша література</a:t>
+            </a:r>
+          </a:p>
+        </p:txBody>
+      </p:sp>
+      <p:sp>
+        <p:nvSpPr>
+          <p:cNvPr id="3" name="Місце для вмісту 2">
+            <a:extLst>
+              <a:ext uri="{FF2B5EF4-FFF2-40B4-BE49-F238E27FC236}">
+                <a16:creationId xmlns:a16="http://schemas.microsoft.com/office/drawing/2014/main" id="{7EA1244A-D357-4178-86FA-61C77F39A618}"/>
+              </a:ext>
+            </a:extLst>
+          </p:cNvPr>
+          <p:cNvSpPr>
+            <a:spLocks noGrp="1"/>
+          </p:cNvSpPr>
+          <p:nvPr>
+            <p:ph idx="1"/>
+          </p:nvPr>
+        </p:nvSpPr>
+        <p:spPr/>
+        <p:txBody>
+          <a:bodyPr>
+            <a:normAutofit/>
+          </a:bodyPr>
+          <a:lstStyle/>
+          <a:p>
+            <a:r>
+              <a:rPr lang="uk-UA" sz="2000" dirty="0"/>
+              <a:t>НАЦІОНАЛЬНИЙ ТЕХНІЧНИЙ УНІВЕРСИТЕТ УКРАЇНИ «КИЇВСЬКИЙ ПОЛІТЕХНІЧНИЙ ІНСТИТУТ імені ІГОРЯ СІКОРСЬКОГО» </a:t>
+            </a:r>
+            <a:r>
+              <a:rPr lang="uk-UA" sz="2000" dirty="0" err="1"/>
+              <a:t>В.С.Баран</a:t>
+            </a:r>
+            <a:r>
+              <a:rPr lang="uk-UA" sz="2000" dirty="0"/>
+              <a:t>, </a:t>
+            </a:r>
+            <a:r>
+              <a:rPr lang="uk-UA" sz="2000" dirty="0" err="1"/>
+              <a:t>Г.Г.Власюк</a:t>
+            </a:r>
+            <a:r>
+              <a:rPr lang="uk-UA" sz="2000" dirty="0"/>
+              <a:t>, </a:t>
+            </a:r>
+            <a:r>
+              <a:rPr lang="uk-UA" sz="2000" dirty="0" err="1"/>
+              <a:t>Ю.О.Оникієнко</a:t>
+            </a:r>
+            <a:r>
+              <a:rPr lang="uk-UA" sz="2000" dirty="0"/>
+              <a:t>, </a:t>
+            </a:r>
+            <a:r>
+              <a:rPr lang="uk-UA" sz="2000" dirty="0" err="1"/>
+              <a:t>О.І.Смоленська</a:t>
+            </a:r>
+            <a:r>
+              <a:rPr lang="uk-UA" sz="2000" dirty="0"/>
+              <a:t> ОСНОВИ МІКРОПРОЦЕСОРНОЇ ТЕХНІКИ ЛАБОРАТОРНИЙ ПРАКТИКУМ  - у цьому посібнику дізнався, що можу використовувати плату </a:t>
+            </a:r>
+            <a:r>
+              <a:rPr lang="en-US" sz="2000" dirty="0"/>
+              <a:t>Arduino Uno </a:t>
+            </a:r>
+            <a:r>
+              <a:rPr lang="uk-UA" sz="2000" dirty="0"/>
+              <a:t>для реалізації роботи електронного годинника</a:t>
+            </a:r>
+          </a:p>
+          <a:p>
+            <a:r>
+              <a:rPr lang="en-US" sz="2000" dirty="0">
+                <a:hlinkClick r:id="rId2"/>
+              </a:rPr>
+              <a:t>https://document.vobu.ua/doc/6603</a:t>
+            </a:r>
+            <a:r>
+              <a:rPr lang="uk-UA" sz="2000" dirty="0"/>
+              <a:t> - тут я дізнався про методи та технології синхронізації часу</a:t>
+            </a:r>
+          </a:p>
+          <a:p>
+            <a:r>
+              <a:rPr lang="en-US" sz="2000" dirty="0">
+                <a:hlinkClick r:id="rId3"/>
+              </a:rPr>
+              <a:t>https://ela.kpi.ua/bitstream/123456789/29485/1/Hryhoriev_%20bakalavr.pdf</a:t>
+            </a:r>
+            <a:r>
+              <a:rPr lang="en-US" sz="2000" dirty="0"/>
+              <a:t> – </a:t>
+            </a:r>
+            <a:r>
+              <a:rPr lang="uk-UA" sz="2000" dirty="0"/>
+              <a:t>дипломний проект, у якому багато корисної інформації. Саме тут я дізнався про підключення </a:t>
+            </a:r>
+            <a:r>
+              <a:rPr lang="en-US" sz="2000" dirty="0"/>
+              <a:t>GPS-</a:t>
+            </a:r>
+            <a:r>
+              <a:rPr lang="uk-UA" sz="2000" dirty="0"/>
+              <a:t>приймача до плати та бібліотеки </a:t>
+            </a:r>
+            <a:r>
+              <a:rPr lang="en-US" sz="2000" dirty="0" err="1"/>
+              <a:t>TinyGPS</a:t>
+            </a:r>
+            <a:r>
+              <a:rPr lang="uk-UA" sz="2000" dirty="0"/>
+              <a:t> і </a:t>
+            </a:r>
+            <a:r>
+              <a:rPr lang="en-US" sz="2000" dirty="0" err="1"/>
+              <a:t>LiquidCrystal</a:t>
+            </a:r>
+            <a:r>
+              <a:rPr lang="en-US" sz="2000" dirty="0"/>
+              <a:t>.</a:t>
+            </a:r>
+          </a:p>
+          <a:p>
+            <a:endParaRPr lang="uk-UA" sz="2000" dirty="0"/>
+          </a:p>
+          <a:p>
+            <a:endParaRPr lang="uk-UA" sz="2000" dirty="0"/>
+          </a:p>
+          <a:p>
+            <a:endParaRPr lang="uk-UA" sz="2000" dirty="0"/>
+          </a:p>
+        </p:txBody>
+      </p:sp>
+    </p:spTree>
+    <p:extLst>
+      <p:ext uri="{BB962C8B-B14F-4D97-AF65-F5344CB8AC3E}">
+        <p14:creationId xmlns:p14="http://schemas.microsoft.com/office/powerpoint/2010/main" val="3046068113"/>
+      </p:ext>
+    </p:extLst>
+  </p:cSld>
+  <p:clrMapOvr>
+    <a:masterClrMapping/>
+  </p:clrMapOvr>
+</p:sld>
+</file>
+
+<file path=ppt/slides/slide15.xml><?xml version="1.0" encoding="utf-8"?>
+<p:sld xmlns:a="http://schemas.openxmlformats.org/drawingml/2006/main" xmlns:r="http://schemas.openxmlformats.org/officeDocument/2006/relationships" xmlns:p="http://schemas.openxmlformats.org/presentationml/2006/main">
+  <p:cSld>
+    <p:spTree>
+      <p:nvGrpSpPr>
+        <p:cNvPr id="1" name=""/>
+        <p:cNvGrpSpPr/>
+        <p:nvPr/>
+      </p:nvGrpSpPr>
+      <p:grpSpPr>
+        <a:xfrm>
+          <a:off x="0" y="0"/>
+          <a:ext cx="0" cy="0"/>
+          <a:chOff x="0" y="0"/>
+          <a:chExt cx="0" cy="0"/>
+        </a:xfrm>
+      </p:grpSpPr>
+      <p:sp>
+        <p:nvSpPr>
+          <p:cNvPr id="2" name="Заголовок 1">
+            <a:extLst>
+              <a:ext uri="{FF2B5EF4-FFF2-40B4-BE49-F238E27FC236}">
+                <a16:creationId xmlns:a16="http://schemas.microsoft.com/office/drawing/2014/main" id="{0B018D7B-C76D-4BEA-97E1-5BAF8544E282}"/>
+              </a:ext>
+            </a:extLst>
+          </p:cNvPr>
+          <p:cNvSpPr>
+            <a:spLocks noGrp="1"/>
+          </p:cNvSpPr>
+          <p:nvPr>
+            <p:ph type="title"/>
+          </p:nvPr>
+        </p:nvSpPr>
+        <p:spPr/>
+        <p:txBody>
+          <a:bodyPr/>
+          <a:lstStyle/>
+          <a:p>
+            <a:r>
+              <a:rPr lang="uk-UA" dirty="0"/>
+              <a:t>Найкорисніша література</a:t>
+            </a:r>
+          </a:p>
+        </p:txBody>
+      </p:sp>
+      <p:sp>
+        <p:nvSpPr>
+          <p:cNvPr id="3" name="Місце для вмісту 2">
+            <a:extLst>
+              <a:ext uri="{FF2B5EF4-FFF2-40B4-BE49-F238E27FC236}">
+                <a16:creationId xmlns:a16="http://schemas.microsoft.com/office/drawing/2014/main" id="{EA3F68D9-E658-44D6-A2EF-E3EF03AB7214}"/>
+              </a:ext>
+            </a:extLst>
+          </p:cNvPr>
+          <p:cNvSpPr>
+            <a:spLocks noGrp="1"/>
+          </p:cNvSpPr>
+          <p:nvPr>
+            <p:ph idx="1"/>
+          </p:nvPr>
+        </p:nvSpPr>
+        <p:spPr/>
+        <p:txBody>
+          <a:bodyPr/>
+          <a:lstStyle/>
+          <a:p>
+            <a:r>
+              <a:rPr lang="en-US" dirty="0">
+                <a:hlinkClick r:id="rId2"/>
+              </a:rPr>
+              <a:t>https://projectiot123.com/2019/01/03/arduino-and-lcd-simulation-in-proteus/</a:t>
+            </a:r>
+            <a:r>
+              <a:rPr lang="en-US" dirty="0"/>
+              <a:t> - </a:t>
+            </a:r>
+            <a:r>
+              <a:rPr lang="uk-UA" dirty="0"/>
+              <a:t>тут знайшов спосіб підключення </a:t>
+            </a:r>
+            <a:r>
+              <a:rPr lang="en-US" dirty="0"/>
+              <a:t>LCD </a:t>
+            </a:r>
+            <a:r>
+              <a:rPr lang="uk-UA" dirty="0"/>
+              <a:t>до </a:t>
+            </a:r>
+            <a:r>
+              <a:rPr lang="en-US" dirty="0"/>
+              <a:t>Arduino Uno</a:t>
+            </a:r>
+          </a:p>
+          <a:p>
+            <a:r>
+              <a:rPr lang="en-US" dirty="0">
+                <a:hlinkClick r:id="rId3"/>
+              </a:rPr>
+              <a:t>https://doc.arduino.ua/ru/prog/</a:t>
+            </a:r>
+            <a:r>
+              <a:rPr lang="en-US" dirty="0"/>
+              <a:t> - </a:t>
+            </a:r>
+            <a:r>
+              <a:rPr lang="uk-UA" dirty="0"/>
+              <a:t>посібник, у якому є інформація для програмування на </a:t>
+            </a:r>
+            <a:r>
+              <a:rPr lang="en-US" dirty="0"/>
+              <a:t>Arduino </a:t>
+            </a:r>
+            <a:r>
+              <a:rPr lang="uk-UA" dirty="0"/>
+              <a:t>та вся необхідна інформація для користування бібліотекою </a:t>
+            </a:r>
+            <a:r>
+              <a:rPr lang="en-US" dirty="0" err="1"/>
+              <a:t>LiquidCrystal</a:t>
+            </a:r>
+            <a:endParaRPr lang="en-US" dirty="0"/>
+          </a:p>
+          <a:p>
+            <a:endParaRPr lang="en-US" dirty="0"/>
+          </a:p>
+          <a:p>
+            <a:endParaRPr lang="en-US" dirty="0"/>
+          </a:p>
+          <a:p>
+            <a:endParaRPr lang="uk-UA" dirty="0"/>
+          </a:p>
+        </p:txBody>
+      </p:sp>
+    </p:spTree>
+    <p:extLst>
+      <p:ext uri="{BB962C8B-B14F-4D97-AF65-F5344CB8AC3E}">
+        <p14:creationId xmlns:p14="http://schemas.microsoft.com/office/powerpoint/2010/main" val="2520201570"/>
+      </p:ext>
+    </p:extLst>
+  </p:cSld>
+  <p:clrMapOvr>
+    <a:masterClrMapping/>
+  </p:clrMapOvr>
+</p:sld>
+</file>
+
+<file path=ppt/slides/slide16.xml><?xml version="1.0" encoding="utf-8"?>
+<p:sld xmlns:a="http://schemas.openxmlformats.org/drawingml/2006/main" xmlns:r="http://schemas.openxmlformats.org/officeDocument/2006/relationships" xmlns:p="http://schemas.openxmlformats.org/presentationml/2006/main">
+  <p:cSld>
+    <p:spTree>
+      <p:nvGrpSpPr>
+        <p:cNvPr id="1" name=""/>
+        <p:cNvGrpSpPr/>
+        <p:nvPr/>
+      </p:nvGrpSpPr>
+      <p:grpSpPr>
+        <a:xfrm>
+          <a:off x="0" y="0"/>
+          <a:ext cx="0" cy="0"/>
+          <a:chOff x="0" y="0"/>
+          <a:chExt cx="0" cy="0"/>
+        </a:xfrm>
+      </p:grpSpPr>
+      <p:sp>
+        <p:nvSpPr>
+          <p:cNvPr id="2" name="Заголовок 1">
+            <a:extLst>
+              <a:ext uri="{FF2B5EF4-FFF2-40B4-BE49-F238E27FC236}">
+                <a16:creationId xmlns:a16="http://schemas.microsoft.com/office/drawing/2014/main" id="{31DF609C-981F-456B-964F-6AE3C03448D9}"/>
+              </a:ext>
+            </a:extLst>
+          </p:cNvPr>
+          <p:cNvSpPr>
+            <a:spLocks noGrp="1"/>
+          </p:cNvSpPr>
+          <p:nvPr>
+            <p:ph type="title"/>
+          </p:nvPr>
+        </p:nvSpPr>
+        <p:spPr/>
+        <p:txBody>
+          <a:bodyPr/>
+          <a:lstStyle/>
+          <a:p>
+            <a:endParaRPr lang="uk-UA"/>
+          </a:p>
+        </p:txBody>
+      </p:sp>
+      <p:sp>
+        <p:nvSpPr>
+          <p:cNvPr id="3" name="Місце для вмісту 2">
+            <a:extLst>
+              <a:ext uri="{FF2B5EF4-FFF2-40B4-BE49-F238E27FC236}">
+                <a16:creationId xmlns:a16="http://schemas.microsoft.com/office/drawing/2014/main" id="{597E2964-0768-44B0-9ECC-D913B98E819C}"/>
+              </a:ext>
+            </a:extLst>
+          </p:cNvPr>
+          <p:cNvSpPr>
+            <a:spLocks noGrp="1"/>
+          </p:cNvSpPr>
+          <p:nvPr>
+            <p:ph idx="1"/>
+          </p:nvPr>
+        </p:nvSpPr>
+        <p:spPr/>
+        <p:txBody>
+          <a:bodyPr/>
+          <a:lstStyle/>
+          <a:p>
+            <a:endParaRPr lang="uk-UA"/>
+          </a:p>
+        </p:txBody>
+      </p:sp>
+    </p:spTree>
+    <p:extLst>
+      <p:ext uri="{BB962C8B-B14F-4D97-AF65-F5344CB8AC3E}">
+        <p14:creationId xmlns:p14="http://schemas.microsoft.com/office/powerpoint/2010/main" val="335499183"/>
       </p:ext>
     </p:extLst>
   </p:cSld>
